--- a/Unity/Lesson10/Mouse.pptx
+++ b/Unity/Lesson10/Mouse.pptx
@@ -5,20 +5,24 @@
     <p:sldMasterId id="2147483673" r:id="rId1"/>
   </p:sldMasterIdLst>
   <p:notesMasterIdLst>
-    <p:notesMasterId r:id="rId10"/>
+    <p:notesMasterId r:id="rId14"/>
   </p:notesMasterIdLst>
   <p:handoutMasterIdLst>
-    <p:handoutMasterId r:id="rId11"/>
+    <p:handoutMasterId r:id="rId15"/>
   </p:handoutMasterIdLst>
   <p:sldIdLst>
     <p:sldId id="257" r:id="rId2"/>
     <p:sldId id="271" r:id="rId3"/>
-    <p:sldId id="274" r:id="rId4"/>
-    <p:sldId id="270" r:id="rId5"/>
-    <p:sldId id="277" r:id="rId6"/>
-    <p:sldId id="275" r:id="rId7"/>
-    <p:sldId id="276" r:id="rId8"/>
+    <p:sldId id="263" r:id="rId4"/>
+    <p:sldId id="274" r:id="rId5"/>
+    <p:sldId id="270" r:id="rId6"/>
+    <p:sldId id="277" r:id="rId7"/>
+    <p:sldId id="275" r:id="rId8"/>
     <p:sldId id="279" r:id="rId9"/>
+    <p:sldId id="282" r:id="rId10"/>
+    <p:sldId id="276" r:id="rId11"/>
+    <p:sldId id="281" r:id="rId12"/>
+    <p:sldId id="280" r:id="rId13"/>
   </p:sldIdLst>
   <p:sldSz cx="12192000" cy="6858000"/>
   <p:notesSz cx="6858000" cy="9144000"/>
@@ -246,6 +250,30 @@
 </p:cmLst>
 </file>
 
+<file path=ppt/comments/comment7.xml><?xml version="1.0" encoding="utf-8"?>
+<p:cmLst xmlns:a="http://schemas.openxmlformats.org/drawingml/2006/main" xmlns:r="http://schemas.openxmlformats.org/officeDocument/2006/relationships" xmlns:p="http://schemas.openxmlformats.org/presentationml/2006/main">
+  <p:cm authorId="2" dt="2020-11-09T00:15:57.829" idx="11">
+    <p:pos x="10" y="10"/>
+    <p:text>private void OnMouseDown()
+    {
+        Debug.Log("OnMouseDown Player" + Input.mousePosition.x + "  " + Input.mousePosition.y);
+        offset = gameObject.transform.position -
+            Camera.main.ScreenToWorldPoint(new Vector3(Input.mousePosition.x, Input.mousePosition.y, 10.0f));
+    }
+    private void OnMouseDrag()
+    {
+        Vector3 newPosition = new Vector3(Input.mousePosition.x, Input.mousePosition.y, 10.0f);
+        transform.position = Camera.main.ScreenToWorldPoint(newPosition) + offset;
+    }</p:text>
+    <p:extLst>
+      <p:ext uri="{C676402C-5697-4E1C-873F-D02D1690AC5C}">
+        <p15:threadingInfo xmlns:p15="http://schemas.microsoft.com/office/powerpoint/2012/main" timeZoneBias="-300"/>
+      </p:ext>
+    </p:extLst>
+  </p:cm>
+</p:cmLst>
+</file>
+
 <file path=ppt/handoutMasters/handoutMaster1.xml><?xml version="1.0" encoding="utf-8"?>
 <p:handoutMaster xmlns:a="http://schemas.openxmlformats.org/drawingml/2006/main" xmlns:r="http://schemas.openxmlformats.org/officeDocument/2006/relationships" xmlns:p="http://schemas.openxmlformats.org/presentationml/2006/main">
   <p:cSld>
@@ -330,7 +358,7 @@
             <a:pPr rtl="0"/>
             <a:fld id="{6B5C320A-F5C8-4FD6-86FF-35D2EBF085B6}" type="datetime1">
               <a:rPr lang="ru-RU" smtClean="0"/>
-              <a:t>08.11.2020</a:t>
+              <a:t>09.11.2020</a:t>
             </a:fld>
             <a:endParaRPr lang="en-US" dirty="0"/>
           </a:p>
@@ -500,7 +528,7 @@
             <a:pPr rtl="0"/>
             <a:fld id="{15C702C7-E599-40D9-B30E-0392896973B5}" type="datetime1">
               <a:rPr lang="ru-RU" smtClean="0"/>
-              <a:t>08.11.2020</a:t>
+              <a:t>09.11.2020</a:t>
             </a:fld>
             <a:endParaRPr lang="en-US"/>
           </a:p>
@@ -1245,7 +1273,7 @@
             <a:pPr rtl="0"/>
             <a:fld id="{6506E9A3-1561-45B7-908B-DACC52528ABB}" type="datetime1">
               <a:rPr lang="ru-RU" smtClean="0"/>
-              <a:t>08.11.2020</a:t>
+              <a:t>09.11.2020</a:t>
             </a:fld>
             <a:endParaRPr lang="en-US" dirty="0"/>
           </a:p>
@@ -1451,7 +1479,7 @@
             <a:pPr rtl="0"/>
             <a:fld id="{3E92B999-6CB2-48D4-8AF6-3D1A5D13436B}" type="datetime1">
               <a:rPr lang="ru-RU" smtClean="0"/>
-              <a:t>08.11.2020</a:t>
+              <a:t>09.11.2020</a:t>
             </a:fld>
             <a:endParaRPr lang="en-US"/>
           </a:p>
@@ -1635,7 +1663,7 @@
             <a:pPr rtl="0"/>
             <a:fld id="{B52C98DB-1092-48C4-AD4E-BD3E9D2E2345}" type="datetime1">
               <a:rPr lang="ru-RU" smtClean="0"/>
-              <a:t>08.11.2020</a:t>
+              <a:t>09.11.2020</a:t>
             </a:fld>
             <a:endParaRPr lang="en-US"/>
           </a:p>
@@ -1809,7 +1837,7 @@
             <a:pPr rtl="0"/>
             <a:fld id="{629C2F20-7994-4D1E-A01C-96ECBA4612EB}" type="datetime1">
               <a:rPr lang="ru-RU" smtClean="0"/>
-              <a:t>08.11.2020</a:t>
+              <a:t>09.11.2020</a:t>
             </a:fld>
             <a:endParaRPr lang="en-US"/>
           </a:p>
@@ -2412,7 +2440,7 @@
             <a:pPr rtl="0"/>
             <a:fld id="{7B2CE4EA-3B49-4A00-ADF3-7C7272A626C1}" type="datetime1">
               <a:rPr lang="ru-RU" smtClean="0"/>
-              <a:t>08.11.2020</a:t>
+              <a:t>09.11.2020</a:t>
             </a:fld>
             <a:endParaRPr lang="en-US" dirty="0"/>
           </a:p>
@@ -2736,7 +2764,7 @@
             <a:pPr rtl="0"/>
             <a:fld id="{9A16848F-27AD-43B9-904C-1CF05D24EB3C}" type="datetime1">
               <a:rPr lang="ru-RU" smtClean="0"/>
-              <a:t>08.11.2020</a:t>
+              <a:t>09.11.2020</a:t>
             </a:fld>
             <a:endParaRPr lang="en-US"/>
           </a:p>
@@ -3177,7 +3205,7 @@
             <a:pPr rtl="0"/>
             <a:fld id="{23090412-2DE5-405A-816E-F08FB54EB168}" type="datetime1">
               <a:rPr lang="ru-RU" smtClean="0"/>
-              <a:t>08.11.2020</a:t>
+              <a:t>09.11.2020</a:t>
             </a:fld>
             <a:endParaRPr lang="en-US"/>
           </a:p>
@@ -3299,7 +3327,7 @@
             <a:pPr rtl="0"/>
             <a:fld id="{F4C2D7CB-4DC1-4BB7-BF00-4C36160857E0}" type="datetime1">
               <a:rPr lang="ru-RU" smtClean="0"/>
-              <a:t>08.11.2020</a:t>
+              <a:t>09.11.2020</a:t>
             </a:fld>
             <a:endParaRPr lang="en-US"/>
           </a:p>
@@ -3397,7 +3425,7 @@
             <a:pPr rtl="0"/>
             <a:fld id="{4060D38F-E364-4ED4-9BF4-D7F00FFBE76A}" type="datetime1">
               <a:rPr lang="ru-RU" smtClean="0"/>
-              <a:t>08.11.2020</a:t>
+              <a:t>09.11.2020</a:t>
             </a:fld>
             <a:endParaRPr lang="en-US"/>
           </a:p>
@@ -3818,7 +3846,7 @@
             <a:pPr rtl="0"/>
             <a:fld id="{F183FEFD-AB08-4CB5-AE4D-2F6B12D8E3B0}" type="datetime1">
               <a:rPr lang="ru-RU" smtClean="0"/>
-              <a:t>08.11.2020</a:t>
+              <a:t>09.11.2020</a:t>
             </a:fld>
             <a:endParaRPr lang="en-US"/>
           </a:p>
@@ -4083,7 +4111,7 @@
             <a:pPr rtl="0"/>
             <a:fld id="{EBEA1583-5CEF-4E36-A7FC-D34B7E954D76}" type="datetime1">
               <a:rPr lang="ru-RU" smtClean="0"/>
-              <a:t>08.11.2020</a:t>
+              <a:t>09.11.2020</a:t>
             </a:fld>
             <a:endParaRPr lang="en-US" dirty="0"/>
           </a:p>
@@ -4603,7 +4631,7 @@
             <a:pPr rtl="0"/>
             <a:fld id="{1068A786-B8BF-4988-ACBA-DD9B5BC8D522}" type="datetime1">
               <a:rPr lang="ru-RU" smtClean="0"/>
-              <a:t>08.11.2020</a:t>
+              <a:t>09.11.2020</a:t>
             </a:fld>
             <a:endParaRPr lang="en-US" dirty="0"/>
           </a:p>
@@ -5250,55 +5278,6 @@
           </a:p>
         </p:txBody>
       </p:sp>
-      <p:sp>
-        <p:nvSpPr>
-          <p:cNvPr id="3" name="Подзаголовок 2">
-            <a:extLst>
-              <a:ext uri="{FF2B5EF4-FFF2-40B4-BE49-F238E27FC236}">
-                <a16:creationId xmlns:a16="http://schemas.microsoft.com/office/drawing/2014/main" id="{C8722DDC-8EEE-4A06-8DFE-B44871EAA2CF}"/>
-              </a:ext>
-            </a:extLst>
-          </p:cNvPr>
-          <p:cNvSpPr>
-            <a:spLocks noGrp="1"/>
-          </p:cNvSpPr>
-          <p:nvPr>
-            <p:ph type="subTitle" idx="1"/>
-          </p:nvPr>
-        </p:nvSpPr>
-        <p:spPr>
-          <a:xfrm>
-            <a:off x="6033793" y="3995988"/>
-            <a:ext cx="4775075" cy="559656"/>
-          </a:xfrm>
-        </p:spPr>
-        <p:txBody>
-          <a:bodyPr rtlCol="0">
-            <a:normAutofit/>
-          </a:bodyPr>
-          <a:lstStyle/>
-          <a:p>
-            <a:pPr rtl="0">
-              <a:spcAft>
-                <a:spcPts val="600"/>
-              </a:spcAft>
-            </a:pPr>
-            <a:r>
-              <a:rPr lang="ru-RU" dirty="0">
-                <a:solidFill>
-                  <a:schemeClr val="tx1"/>
-                </a:solidFill>
-              </a:rPr>
-              <a:t>Кто такой аниматор?</a:t>
-            </a:r>
-            <a:endParaRPr lang="ru" dirty="0">
-              <a:solidFill>
-                <a:schemeClr val="tx1"/>
-              </a:solidFill>
-            </a:endParaRPr>
-          </a:p>
-        </p:txBody>
-      </p:sp>
     </p:spTree>
     <p:extLst>
       <p:ext uri="{BB962C8B-B14F-4D97-AF65-F5344CB8AC3E}">
@@ -5308,6 +5287,849 @@
   </p:cSld>
   <p:clrMapOvr>
     <a:overrideClrMapping bg1="dk1" tx1="lt1" bg2="dk2" tx2="lt2" accent1="accent1" accent2="accent2" accent3="accent3" accent4="accent4" accent5="accent5" accent6="accent6" hlink="hlink" folHlink="folHlink"/>
+  </p:clrMapOvr>
+</p:sld>
+</file>
+
+<file path=ppt/slides/slide10.xml><?xml version="1.0" encoding="utf-8"?>
+<p:sld xmlns:a="http://schemas.openxmlformats.org/drawingml/2006/main" xmlns:r="http://schemas.openxmlformats.org/officeDocument/2006/relationships" xmlns:p="http://schemas.openxmlformats.org/presentationml/2006/main">
+  <p:cSld>
+    <p:bg>
+      <p:bgPr>
+        <a:solidFill>
+          <a:schemeClr val="bg1"/>
+        </a:solidFill>
+        <a:effectLst/>
+      </p:bgPr>
+    </p:bg>
+    <p:spTree>
+      <p:nvGrpSpPr>
+        <p:cNvPr id="1" name=""/>
+        <p:cNvGrpSpPr/>
+        <p:nvPr/>
+      </p:nvGrpSpPr>
+      <p:grpSpPr>
+        <a:xfrm>
+          <a:off x="0" y="0"/>
+          <a:ext cx="0" cy="0"/>
+          <a:chOff x="0" y="0"/>
+          <a:chExt cx="0" cy="0"/>
+        </a:xfrm>
+      </p:grpSpPr>
+      <p:sp>
+        <p:nvSpPr>
+          <p:cNvPr id="9" name="Заголовок 3">
+            <a:extLst>
+              <a:ext uri="{FF2B5EF4-FFF2-40B4-BE49-F238E27FC236}">
+                <a16:creationId xmlns:a16="http://schemas.microsoft.com/office/drawing/2014/main" id="{7BBA4A03-7F70-4DAE-9489-2F06D46DB9E3}"/>
+              </a:ext>
+            </a:extLst>
+          </p:cNvPr>
+          <p:cNvSpPr txBox="1">
+            <a:spLocks/>
+          </p:cNvSpPr>
+          <p:nvPr/>
+        </p:nvSpPr>
+        <p:spPr>
+          <a:xfrm>
+            <a:off x="4271831" y="2223525"/>
+            <a:ext cx="4490429" cy="1662621"/>
+          </a:xfrm>
+          <a:prstGeom prst="rect">
+            <a:avLst/>
+          </a:prstGeom>
+        </p:spPr>
+        <p:txBody>
+          <a:bodyPr vert="horz" lIns="91440" tIns="45720" rIns="91440" bIns="45720" rtlCol="0" anchor="ctr">
+            <a:normAutofit/>
+          </a:bodyPr>
+          <a:lstStyle>
+            <a:lvl1pPr algn="l" defTabSz="914400" rtl="0" eaLnBrk="1" latinLnBrk="0" hangingPunct="1">
+              <a:lnSpc>
+                <a:spcPct val="90000"/>
+              </a:lnSpc>
+              <a:spcBef>
+                <a:spcPct val="0"/>
+              </a:spcBef>
+              <a:buNone/>
+              <a:defRPr lang="en-US" sz="4000" i="0" kern="1200" cap="none" spc="0" baseline="0" dirty="0">
+                <a:solidFill>
+                  <a:schemeClr val="tx1">
+                    <a:lumMod val="85000"/>
+                    <a:lumOff val="15000"/>
+                  </a:schemeClr>
+                </a:solidFill>
+                <a:effectLst/>
+                <a:latin typeface="+mj-lt"/>
+                <a:ea typeface="+mn-ea"/>
+                <a:cs typeface="+mn-cs"/>
+              </a:defRPr>
+            </a:lvl1pPr>
+          </a:lstStyle>
+          <a:p>
+            <a:endParaRPr lang="ru-RU" sz="2800" b="1" dirty="0"/>
+          </a:p>
+          <a:p>
+            <a:endParaRPr lang="ru-RU" sz="2800" dirty="0">
+              <a:solidFill>
+                <a:srgbClr val="FFC000"/>
+              </a:solidFill>
+            </a:endParaRPr>
+          </a:p>
+        </p:txBody>
+      </p:sp>
+      <p:sp>
+        <p:nvSpPr>
+          <p:cNvPr id="18" name="Заголовок 3">
+            <a:extLst>
+              <a:ext uri="{FF2B5EF4-FFF2-40B4-BE49-F238E27FC236}">
+                <a16:creationId xmlns:a16="http://schemas.microsoft.com/office/drawing/2014/main" id="{7E59699F-A8DC-4288-9EB0-E9835A7C37F0}"/>
+              </a:ext>
+            </a:extLst>
+          </p:cNvPr>
+          <p:cNvSpPr txBox="1">
+            <a:spLocks/>
+          </p:cNvSpPr>
+          <p:nvPr/>
+        </p:nvSpPr>
+        <p:spPr>
+          <a:xfrm>
+            <a:off x="2651106" y="653174"/>
+            <a:ext cx="7951303" cy="517705"/>
+          </a:xfrm>
+          <a:prstGeom prst="rect">
+            <a:avLst/>
+          </a:prstGeom>
+        </p:spPr>
+        <p:txBody>
+          <a:bodyPr vert="horz" lIns="91440" tIns="45720" rIns="91440" bIns="45720" rtlCol="0" anchor="ctr">
+            <a:normAutofit fontScale="90000" lnSpcReduction="20000"/>
+          </a:bodyPr>
+          <a:lstStyle>
+            <a:lvl1pPr algn="l" defTabSz="914400" rtl="0" eaLnBrk="1" latinLnBrk="0" hangingPunct="1">
+              <a:lnSpc>
+                <a:spcPct val="90000"/>
+              </a:lnSpc>
+              <a:spcBef>
+                <a:spcPct val="0"/>
+              </a:spcBef>
+              <a:buNone/>
+              <a:defRPr lang="en-US" sz="4000" i="0" kern="1200" cap="none" spc="0" baseline="0" dirty="0">
+                <a:solidFill>
+                  <a:schemeClr val="tx1">
+                    <a:lumMod val="85000"/>
+                    <a:lumOff val="15000"/>
+                  </a:schemeClr>
+                </a:solidFill>
+                <a:effectLst/>
+                <a:latin typeface="+mj-lt"/>
+                <a:ea typeface="+mn-ea"/>
+                <a:cs typeface="+mn-cs"/>
+              </a:defRPr>
+            </a:lvl1pPr>
+          </a:lstStyle>
+          <a:p>
+            <a:r>
+              <a:rPr lang="ru-RU" b="1" dirty="0">
+                <a:solidFill>
+                  <a:schemeClr val="accent5">
+                    <a:lumMod val="75000"/>
+                  </a:schemeClr>
+                </a:solidFill>
+              </a:rPr>
+              <a:t>Событие нажатия мыши</a:t>
+            </a:r>
+          </a:p>
+        </p:txBody>
+      </p:sp>
+      <p:grpSp>
+        <p:nvGrpSpPr>
+          <p:cNvPr id="7" name="Группа 6">
+            <a:extLst>
+              <a:ext uri="{FF2B5EF4-FFF2-40B4-BE49-F238E27FC236}">
+                <a16:creationId xmlns:a16="http://schemas.microsoft.com/office/drawing/2014/main" id="{94F4BD5F-0ADA-4A00-96A3-2D8BC004FFE0}"/>
+              </a:ext>
+            </a:extLst>
+          </p:cNvPr>
+          <p:cNvGrpSpPr/>
+          <p:nvPr/>
+        </p:nvGrpSpPr>
+        <p:grpSpPr>
+          <a:xfrm>
+            <a:off x="3561710" y="1458155"/>
+            <a:ext cx="7800195" cy="3388669"/>
+            <a:chOff x="642075" y="1735012"/>
+            <a:chExt cx="7470894" cy="4568814"/>
+          </a:xfrm>
+        </p:grpSpPr>
+        <p:pic>
+          <p:nvPicPr>
+            <p:cNvPr id="5" name="Рисунок 4">
+              <a:extLst>
+                <a:ext uri="{FF2B5EF4-FFF2-40B4-BE49-F238E27FC236}">
+                  <a16:creationId xmlns:a16="http://schemas.microsoft.com/office/drawing/2014/main" id="{C88755F3-0C9D-4116-BE4E-918E0BDE9998}"/>
+                </a:ext>
+              </a:extLst>
+            </p:cNvPr>
+            <p:cNvPicPr>
+              <a:picLocks noChangeAspect="1"/>
+            </p:cNvPicPr>
+            <p:nvPr/>
+          </p:nvPicPr>
+          <p:blipFill>
+            <a:blip r:embed="rId2"/>
+            <a:stretch>
+              <a:fillRect/>
+            </a:stretch>
+          </p:blipFill>
+          <p:spPr>
+            <a:xfrm>
+              <a:off x="642075" y="1735012"/>
+              <a:ext cx="7470894" cy="4568814"/>
+            </a:xfrm>
+            <a:prstGeom prst="rect">
+              <a:avLst/>
+            </a:prstGeom>
+          </p:spPr>
+        </p:pic>
+        <p:sp>
+          <p:nvSpPr>
+            <p:cNvPr id="6" name="TextBox 5">
+              <a:extLst>
+                <a:ext uri="{FF2B5EF4-FFF2-40B4-BE49-F238E27FC236}">
+                  <a16:creationId xmlns:a16="http://schemas.microsoft.com/office/drawing/2014/main" id="{F92116FF-9BF9-44B2-A840-E30F5855149E}"/>
+                </a:ext>
+              </a:extLst>
+            </p:cNvPr>
+            <p:cNvSpPr txBox="1"/>
+            <p:nvPr/>
+          </p:nvSpPr>
+          <p:spPr>
+            <a:xfrm>
+              <a:off x="943900" y="1907757"/>
+              <a:ext cx="4416039" cy="707886"/>
+            </a:xfrm>
+            <a:prstGeom prst="rect">
+              <a:avLst/>
+            </a:prstGeom>
+            <a:noFill/>
+          </p:spPr>
+          <p:txBody>
+            <a:bodyPr wrap="square" rtlCol="0">
+              <a:spAutoFit/>
+            </a:bodyPr>
+            <a:lstStyle/>
+            <a:p>
+              <a:r>
+                <a:rPr lang="en-US" sz="4000" b="1" dirty="0" err="1">
+                  <a:latin typeface="+mj-lt"/>
+                </a:rPr>
+                <a:t>OnMouseDown</a:t>
+              </a:r>
+              <a:r>
+                <a:rPr lang="en-US" sz="4000" b="1" dirty="0">
+                  <a:latin typeface="+mj-lt"/>
+                </a:rPr>
+                <a:t>()</a:t>
+              </a:r>
+              <a:endParaRPr lang="ru-RU" sz="4000" b="1" dirty="0">
+                <a:latin typeface="+mj-lt"/>
+              </a:endParaRPr>
+            </a:p>
+          </p:txBody>
+        </p:sp>
+      </p:grpSp>
+      <p:sp>
+        <p:nvSpPr>
+          <p:cNvPr id="8" name="Прямоугольник 7">
+            <a:extLst>
+              <a:ext uri="{FF2B5EF4-FFF2-40B4-BE49-F238E27FC236}">
+                <a16:creationId xmlns:a16="http://schemas.microsoft.com/office/drawing/2014/main" id="{0A8C7EF8-3797-49BB-A3B8-D64C346EEBED}"/>
+              </a:ext>
+            </a:extLst>
+          </p:cNvPr>
+          <p:cNvSpPr/>
+          <p:nvPr/>
+        </p:nvSpPr>
+        <p:spPr>
+          <a:xfrm>
+            <a:off x="513710" y="4783965"/>
+            <a:ext cx="10848195" cy="1561005"/>
+          </a:xfrm>
+          <a:prstGeom prst="rect">
+            <a:avLst/>
+          </a:prstGeom>
+        </p:spPr>
+        <p:txBody>
+          <a:bodyPr wrap="square">
+            <a:spAutoFit/>
+          </a:bodyPr>
+          <a:lstStyle/>
+          <a:p>
+            <a:pPr>
+              <a:lnSpc>
+                <a:spcPct val="107000"/>
+              </a:lnSpc>
+              <a:spcAft>
+                <a:spcPts val="0"/>
+              </a:spcAft>
+            </a:pPr>
+            <a:r>
+              <a:rPr lang="ru-RU" dirty="0">
+                <a:latin typeface="Calibri" panose="020F0502020204030204" pitchFamily="34" charset="0"/>
+                <a:ea typeface="Calibri" panose="020F0502020204030204" pitchFamily="34" charset="0"/>
+                <a:cs typeface="Times New Roman" panose="02020603050405020304" pitchFamily="18" charset="0"/>
+              </a:rPr>
+              <a:t> </a:t>
+            </a:r>
+            <a:r>
+              <a:rPr lang="en-US" dirty="0">
+                <a:latin typeface="Calibri" panose="020F0502020204030204" pitchFamily="34" charset="0"/>
+                <a:ea typeface="Calibri" panose="020F0502020204030204" pitchFamily="34" charset="0"/>
+                <a:cs typeface="Times New Roman" panose="02020603050405020304" pitchFamily="18" charset="0"/>
+              </a:rPr>
+              <a:t>private void </a:t>
+            </a:r>
+            <a:r>
+              <a:rPr lang="en-US" dirty="0" err="1">
+                <a:latin typeface="Calibri" panose="020F0502020204030204" pitchFamily="34" charset="0"/>
+                <a:ea typeface="Calibri" panose="020F0502020204030204" pitchFamily="34" charset="0"/>
+                <a:cs typeface="Times New Roman" panose="02020603050405020304" pitchFamily="18" charset="0"/>
+              </a:rPr>
+              <a:t>OnMouseDown</a:t>
+            </a:r>
+            <a:r>
+              <a:rPr lang="en-US" dirty="0">
+                <a:latin typeface="Calibri" panose="020F0502020204030204" pitchFamily="34" charset="0"/>
+                <a:ea typeface="Calibri" panose="020F0502020204030204" pitchFamily="34" charset="0"/>
+                <a:cs typeface="Times New Roman" panose="02020603050405020304" pitchFamily="18" charset="0"/>
+              </a:rPr>
+              <a:t>()</a:t>
+            </a:r>
+            <a:endParaRPr lang="ru-RU" sz="1600" dirty="0">
+              <a:latin typeface="Calibri" panose="020F0502020204030204" pitchFamily="34" charset="0"/>
+              <a:ea typeface="Calibri" panose="020F0502020204030204" pitchFamily="34" charset="0"/>
+              <a:cs typeface="Times New Roman" panose="02020603050405020304" pitchFamily="18" charset="0"/>
+            </a:endParaRPr>
+          </a:p>
+          <a:p>
+            <a:pPr>
+              <a:lnSpc>
+                <a:spcPct val="107000"/>
+              </a:lnSpc>
+              <a:spcAft>
+                <a:spcPts val="0"/>
+              </a:spcAft>
+            </a:pPr>
+            <a:r>
+              <a:rPr lang="en-US" dirty="0">
+                <a:latin typeface="Calibri" panose="020F0502020204030204" pitchFamily="34" charset="0"/>
+                <a:ea typeface="Calibri" panose="020F0502020204030204" pitchFamily="34" charset="0"/>
+                <a:cs typeface="Times New Roman" panose="02020603050405020304" pitchFamily="18" charset="0"/>
+              </a:rPr>
+              <a:t>    {</a:t>
+            </a:r>
+          </a:p>
+          <a:p>
+            <a:pPr>
+              <a:lnSpc>
+                <a:spcPct val="107000"/>
+              </a:lnSpc>
+            </a:pPr>
+            <a:r>
+              <a:rPr lang="en-US" sz="1600" b="1" dirty="0">
+                <a:ea typeface="Calibri" panose="020F0502020204030204" pitchFamily="34" charset="0"/>
+                <a:cs typeface="Times New Roman" panose="02020603050405020304" pitchFamily="18" charset="0"/>
+              </a:rPr>
+              <a:t>           </a:t>
+            </a:r>
+            <a:r>
+              <a:rPr lang="en-US" dirty="0">
+                <a:latin typeface="Calibri" panose="020F0502020204030204" pitchFamily="34" charset="0"/>
+                <a:cs typeface="Times New Roman" panose="02020603050405020304" pitchFamily="18" charset="0"/>
+              </a:rPr>
+              <a:t>Vector3 </a:t>
+            </a:r>
+            <a:r>
+              <a:rPr lang="en-US" dirty="0" err="1">
+                <a:latin typeface="Calibri" panose="020F0502020204030204" pitchFamily="34" charset="0"/>
+                <a:cs typeface="Times New Roman" panose="02020603050405020304" pitchFamily="18" charset="0"/>
+              </a:rPr>
+              <a:t>clickPos</a:t>
+            </a:r>
+            <a:r>
+              <a:rPr lang="en-US" dirty="0">
+                <a:latin typeface="Calibri" panose="020F0502020204030204" pitchFamily="34" charset="0"/>
+                <a:cs typeface="Times New Roman" panose="02020603050405020304" pitchFamily="18" charset="0"/>
+              </a:rPr>
+              <a:t> = Vector3(</a:t>
+            </a:r>
+            <a:r>
+              <a:rPr lang="en-US" dirty="0" err="1">
+                <a:latin typeface="Calibri" panose="020F0502020204030204" pitchFamily="34" charset="0"/>
+                <a:cs typeface="Times New Roman" panose="02020603050405020304" pitchFamily="18" charset="0"/>
+              </a:rPr>
+              <a:t>Input.mousePosition.x</a:t>
+            </a:r>
+            <a:r>
+              <a:rPr lang="en-US" dirty="0">
+                <a:latin typeface="Calibri" panose="020F0502020204030204" pitchFamily="34" charset="0"/>
+                <a:cs typeface="Times New Roman" panose="02020603050405020304" pitchFamily="18" charset="0"/>
+              </a:rPr>
+              <a:t>, </a:t>
+            </a:r>
+            <a:r>
+              <a:rPr lang="en-US" dirty="0" err="1">
+                <a:latin typeface="Calibri" panose="020F0502020204030204" pitchFamily="34" charset="0"/>
+                <a:cs typeface="Times New Roman" panose="02020603050405020304" pitchFamily="18" charset="0"/>
+              </a:rPr>
+              <a:t>Input.mousePosition.y</a:t>
+            </a:r>
+            <a:r>
+              <a:rPr lang="en-US" dirty="0">
+                <a:latin typeface="Calibri" panose="020F0502020204030204" pitchFamily="34" charset="0"/>
+                <a:cs typeface="Times New Roman" panose="02020603050405020304" pitchFamily="18" charset="0"/>
+              </a:rPr>
+              <a:t>, 10.0f);</a:t>
+            </a:r>
+            <a:endParaRPr lang="ru-RU" dirty="0">
+              <a:latin typeface="Calibri" panose="020F0502020204030204" pitchFamily="34" charset="0"/>
+              <a:cs typeface="Times New Roman" panose="02020603050405020304" pitchFamily="18" charset="0"/>
+            </a:endParaRPr>
+          </a:p>
+          <a:p>
+            <a:pPr>
+              <a:lnSpc>
+                <a:spcPct val="107000"/>
+              </a:lnSpc>
+              <a:spcAft>
+                <a:spcPts val="0"/>
+              </a:spcAft>
+            </a:pPr>
+            <a:r>
+              <a:rPr lang="en-US" dirty="0">
+                <a:latin typeface="Calibri" panose="020F0502020204030204" pitchFamily="34" charset="0"/>
+                <a:ea typeface="Calibri" panose="020F0502020204030204" pitchFamily="34" charset="0"/>
+                <a:cs typeface="Times New Roman" panose="02020603050405020304" pitchFamily="18" charset="0"/>
+              </a:rPr>
+              <a:t>           </a:t>
+            </a:r>
+            <a:r>
+              <a:rPr lang="ru-RU" dirty="0">
+                <a:latin typeface="Calibri" panose="020F0502020204030204" pitchFamily="34" charset="0"/>
+                <a:ea typeface="Calibri" panose="020F0502020204030204" pitchFamily="34" charset="0"/>
+                <a:cs typeface="Times New Roman" panose="02020603050405020304" pitchFamily="18" charset="0"/>
+              </a:rPr>
+              <a:t> </a:t>
+            </a:r>
+            <a:r>
+              <a:rPr lang="en-US" dirty="0">
+                <a:latin typeface="Calibri" panose="020F0502020204030204" pitchFamily="34" charset="0"/>
+                <a:ea typeface="Calibri" panose="020F0502020204030204" pitchFamily="34" charset="0"/>
+                <a:cs typeface="Times New Roman" panose="02020603050405020304" pitchFamily="18" charset="0"/>
+              </a:rPr>
+              <a:t> </a:t>
+            </a:r>
+            <a:r>
+              <a:rPr lang="en-US" dirty="0" err="1">
+                <a:latin typeface="Calibri" panose="020F0502020204030204" pitchFamily="34" charset="0"/>
+                <a:ea typeface="Calibri" panose="020F0502020204030204" pitchFamily="34" charset="0"/>
+                <a:cs typeface="Times New Roman" panose="02020603050405020304" pitchFamily="18" charset="0"/>
+              </a:rPr>
+              <a:t>startPos</a:t>
+            </a:r>
+            <a:r>
+              <a:rPr lang="en-US" dirty="0">
+                <a:latin typeface="Calibri" panose="020F0502020204030204" pitchFamily="34" charset="0"/>
+                <a:ea typeface="Calibri" panose="020F0502020204030204" pitchFamily="34" charset="0"/>
+                <a:cs typeface="Times New Roman" panose="02020603050405020304" pitchFamily="18" charset="0"/>
+              </a:rPr>
+              <a:t> = </a:t>
+            </a:r>
+            <a:r>
+              <a:rPr lang="en-US" dirty="0" err="1">
+                <a:latin typeface="Calibri" panose="020F0502020204030204" pitchFamily="34" charset="0"/>
+                <a:ea typeface="Calibri" panose="020F0502020204030204" pitchFamily="34" charset="0"/>
+                <a:cs typeface="Times New Roman" panose="02020603050405020304" pitchFamily="18" charset="0"/>
+              </a:rPr>
+              <a:t>transform.position</a:t>
+            </a:r>
+            <a:r>
+              <a:rPr lang="en-US" dirty="0">
+                <a:latin typeface="Calibri" panose="020F0502020204030204" pitchFamily="34" charset="0"/>
+                <a:ea typeface="Calibri" panose="020F0502020204030204" pitchFamily="34" charset="0"/>
+                <a:cs typeface="Times New Roman" panose="02020603050405020304" pitchFamily="18" charset="0"/>
+              </a:rPr>
+              <a:t> - </a:t>
+            </a:r>
+            <a:r>
+              <a:rPr lang="en-US" dirty="0" err="1">
+                <a:latin typeface="Calibri" panose="020F0502020204030204" pitchFamily="34" charset="0"/>
+                <a:ea typeface="Calibri" panose="020F0502020204030204" pitchFamily="34" charset="0"/>
+                <a:cs typeface="Times New Roman" panose="02020603050405020304" pitchFamily="18" charset="0"/>
+              </a:rPr>
+              <a:t>Camera.main.ScreenToWorldPoint</a:t>
+            </a:r>
+            <a:r>
+              <a:rPr lang="en-US" dirty="0">
+                <a:latin typeface="Calibri" panose="020F0502020204030204" pitchFamily="34" charset="0"/>
+                <a:ea typeface="Calibri" panose="020F0502020204030204" pitchFamily="34" charset="0"/>
+                <a:cs typeface="Times New Roman" panose="02020603050405020304" pitchFamily="18" charset="0"/>
+              </a:rPr>
+              <a:t>(</a:t>
+            </a:r>
+            <a:r>
+              <a:rPr lang="en-US" dirty="0" err="1">
+                <a:latin typeface="Calibri" panose="020F0502020204030204" pitchFamily="34" charset="0"/>
+                <a:ea typeface="Calibri" panose="020F0502020204030204" pitchFamily="34" charset="0"/>
+                <a:cs typeface="Times New Roman" panose="02020603050405020304" pitchFamily="18" charset="0"/>
+              </a:rPr>
+              <a:t>clickPos</a:t>
+            </a:r>
+            <a:r>
+              <a:rPr lang="en-US" dirty="0">
+                <a:latin typeface="Calibri" panose="020F0502020204030204" pitchFamily="34" charset="0"/>
+                <a:ea typeface="Calibri" panose="020F0502020204030204" pitchFamily="34" charset="0"/>
+                <a:cs typeface="Times New Roman" panose="02020603050405020304" pitchFamily="18" charset="0"/>
+              </a:rPr>
+              <a:t>);</a:t>
+            </a:r>
+            <a:endParaRPr lang="ru-RU" sz="1600" dirty="0">
+              <a:latin typeface="Calibri" panose="020F0502020204030204" pitchFamily="34" charset="0"/>
+              <a:ea typeface="Calibri" panose="020F0502020204030204" pitchFamily="34" charset="0"/>
+              <a:cs typeface="Times New Roman" panose="02020603050405020304" pitchFamily="18" charset="0"/>
+            </a:endParaRPr>
+          </a:p>
+          <a:p>
+            <a:pPr>
+              <a:lnSpc>
+                <a:spcPct val="107000"/>
+              </a:lnSpc>
+              <a:spcAft>
+                <a:spcPts val="0"/>
+              </a:spcAft>
+            </a:pPr>
+            <a:r>
+              <a:rPr lang="en-US" dirty="0">
+                <a:latin typeface="Calibri" panose="020F0502020204030204" pitchFamily="34" charset="0"/>
+                <a:ea typeface="Calibri" panose="020F0502020204030204" pitchFamily="34" charset="0"/>
+                <a:cs typeface="Times New Roman" panose="02020603050405020304" pitchFamily="18" charset="0"/>
+              </a:rPr>
+              <a:t>    }</a:t>
+            </a:r>
+            <a:endParaRPr lang="ru-RU" sz="1600" dirty="0">
+              <a:effectLst/>
+              <a:latin typeface="Calibri" panose="020F0502020204030204" pitchFamily="34" charset="0"/>
+              <a:ea typeface="Calibri" panose="020F0502020204030204" pitchFamily="34" charset="0"/>
+              <a:cs typeface="Times New Roman" panose="02020603050405020304" pitchFamily="18" charset="0"/>
+            </a:endParaRPr>
+          </a:p>
+        </p:txBody>
+      </p:sp>
+    </p:spTree>
+    <p:extLst>
+      <p:ext uri="{BB962C8B-B14F-4D97-AF65-F5344CB8AC3E}">
+        <p14:creationId xmlns:p14="http://schemas.microsoft.com/office/powerpoint/2010/main" val="1201238647"/>
+      </p:ext>
+    </p:extLst>
+  </p:cSld>
+  <p:clrMapOvr>
+    <a:masterClrMapping/>
+  </p:clrMapOvr>
+</p:sld>
+</file>
+
+<file path=ppt/slides/slide11.xml><?xml version="1.0" encoding="utf-8"?>
+<p:sld xmlns:a="http://schemas.openxmlformats.org/drawingml/2006/main" xmlns:r="http://schemas.openxmlformats.org/officeDocument/2006/relationships" xmlns:p="http://schemas.openxmlformats.org/presentationml/2006/main">
+  <p:cSld>
+    <p:bg>
+      <p:bgPr>
+        <a:solidFill>
+          <a:schemeClr val="bg1"/>
+        </a:solidFill>
+        <a:effectLst/>
+      </p:bgPr>
+    </p:bg>
+    <p:spTree>
+      <p:nvGrpSpPr>
+        <p:cNvPr id="1" name=""/>
+        <p:cNvGrpSpPr/>
+        <p:nvPr/>
+      </p:nvGrpSpPr>
+      <p:grpSpPr>
+        <a:xfrm>
+          <a:off x="0" y="0"/>
+          <a:ext cx="0" cy="0"/>
+          <a:chOff x="0" y="0"/>
+          <a:chExt cx="0" cy="0"/>
+        </a:xfrm>
+      </p:grpSpPr>
+      <p:sp>
+        <p:nvSpPr>
+          <p:cNvPr id="18" name="Заголовок 3">
+            <a:extLst>
+              <a:ext uri="{FF2B5EF4-FFF2-40B4-BE49-F238E27FC236}">
+                <a16:creationId xmlns:a16="http://schemas.microsoft.com/office/drawing/2014/main" id="{7E59699F-A8DC-4288-9EB0-E9835A7C37F0}"/>
+              </a:ext>
+            </a:extLst>
+          </p:cNvPr>
+          <p:cNvSpPr txBox="1">
+            <a:spLocks/>
+          </p:cNvSpPr>
+          <p:nvPr/>
+        </p:nvSpPr>
+        <p:spPr>
+          <a:xfrm>
+            <a:off x="2651106" y="653174"/>
+            <a:ext cx="7951303" cy="517705"/>
+          </a:xfrm>
+          <a:prstGeom prst="rect">
+            <a:avLst/>
+          </a:prstGeom>
+        </p:spPr>
+        <p:txBody>
+          <a:bodyPr vert="horz" lIns="91440" tIns="45720" rIns="91440" bIns="45720" rtlCol="0" anchor="ctr">
+            <a:normAutofit fontScale="90000" lnSpcReduction="20000"/>
+          </a:bodyPr>
+          <a:lstStyle>
+            <a:lvl1pPr algn="l" defTabSz="914400" rtl="0" eaLnBrk="1" latinLnBrk="0" hangingPunct="1">
+              <a:lnSpc>
+                <a:spcPct val="90000"/>
+              </a:lnSpc>
+              <a:spcBef>
+                <a:spcPct val="0"/>
+              </a:spcBef>
+              <a:buNone/>
+              <a:defRPr lang="en-US" sz="4000" i="0" kern="1200" cap="none" spc="0" baseline="0" dirty="0">
+                <a:solidFill>
+                  <a:schemeClr val="tx1">
+                    <a:lumMod val="85000"/>
+                    <a:lumOff val="15000"/>
+                  </a:schemeClr>
+                </a:solidFill>
+                <a:effectLst/>
+                <a:latin typeface="+mj-lt"/>
+                <a:ea typeface="+mn-ea"/>
+                <a:cs typeface="+mn-cs"/>
+              </a:defRPr>
+            </a:lvl1pPr>
+          </a:lstStyle>
+          <a:p>
+            <a:r>
+              <a:rPr lang="ru-RU" b="1" dirty="0">
+                <a:solidFill>
+                  <a:schemeClr val="accent5">
+                    <a:lumMod val="75000"/>
+                  </a:schemeClr>
+                </a:solidFill>
+              </a:rPr>
+              <a:t>Событие перемещения мыши</a:t>
+            </a:r>
+          </a:p>
+        </p:txBody>
+      </p:sp>
+    </p:spTree>
+    <p:extLst>
+      <p:ext uri="{BB962C8B-B14F-4D97-AF65-F5344CB8AC3E}">
+        <p14:creationId xmlns:p14="http://schemas.microsoft.com/office/powerpoint/2010/main" val="2466785845"/>
+      </p:ext>
+    </p:extLst>
+  </p:cSld>
+  <p:clrMapOvr>
+    <a:masterClrMapping/>
+  </p:clrMapOvr>
+</p:sld>
+</file>
+
+<file path=ppt/slides/slide12.xml><?xml version="1.0" encoding="utf-8"?>
+<p:sld xmlns:a="http://schemas.openxmlformats.org/drawingml/2006/main" xmlns:r="http://schemas.openxmlformats.org/officeDocument/2006/relationships" xmlns:p="http://schemas.openxmlformats.org/presentationml/2006/main">
+  <p:cSld>
+    <p:bg>
+      <p:bgPr>
+        <a:solidFill>
+          <a:schemeClr val="bg1"/>
+        </a:solidFill>
+        <a:effectLst/>
+      </p:bgPr>
+    </p:bg>
+    <p:spTree>
+      <p:nvGrpSpPr>
+        <p:cNvPr id="1" name=""/>
+        <p:cNvGrpSpPr/>
+        <p:nvPr/>
+      </p:nvGrpSpPr>
+      <p:grpSpPr>
+        <a:xfrm>
+          <a:off x="0" y="0"/>
+          <a:ext cx="0" cy="0"/>
+          <a:chOff x="0" y="0"/>
+          <a:chExt cx="0" cy="0"/>
+        </a:xfrm>
+      </p:grpSpPr>
+      <p:sp>
+        <p:nvSpPr>
+          <p:cNvPr id="9" name="Заголовок 3">
+            <a:extLst>
+              <a:ext uri="{FF2B5EF4-FFF2-40B4-BE49-F238E27FC236}">
+                <a16:creationId xmlns:a16="http://schemas.microsoft.com/office/drawing/2014/main" id="{7BBA4A03-7F70-4DAE-9489-2F06D46DB9E3}"/>
+              </a:ext>
+            </a:extLst>
+          </p:cNvPr>
+          <p:cNvSpPr txBox="1">
+            <a:spLocks/>
+          </p:cNvSpPr>
+          <p:nvPr/>
+        </p:nvSpPr>
+        <p:spPr>
+          <a:xfrm>
+            <a:off x="4271831" y="2223525"/>
+            <a:ext cx="4490429" cy="1662621"/>
+          </a:xfrm>
+          <a:prstGeom prst="rect">
+            <a:avLst/>
+          </a:prstGeom>
+        </p:spPr>
+        <p:txBody>
+          <a:bodyPr vert="horz" lIns="91440" tIns="45720" rIns="91440" bIns="45720" rtlCol="0" anchor="ctr">
+            <a:normAutofit/>
+          </a:bodyPr>
+          <a:lstStyle>
+            <a:lvl1pPr algn="l" defTabSz="914400" rtl="0" eaLnBrk="1" latinLnBrk="0" hangingPunct="1">
+              <a:lnSpc>
+                <a:spcPct val="90000"/>
+              </a:lnSpc>
+              <a:spcBef>
+                <a:spcPct val="0"/>
+              </a:spcBef>
+              <a:buNone/>
+              <a:defRPr lang="en-US" sz="4000" i="0" kern="1200" cap="none" spc="0" baseline="0" dirty="0">
+                <a:solidFill>
+                  <a:schemeClr val="tx1">
+                    <a:lumMod val="85000"/>
+                    <a:lumOff val="15000"/>
+                  </a:schemeClr>
+                </a:solidFill>
+                <a:effectLst/>
+                <a:latin typeface="+mj-lt"/>
+                <a:ea typeface="+mn-ea"/>
+                <a:cs typeface="+mn-cs"/>
+              </a:defRPr>
+            </a:lvl1pPr>
+          </a:lstStyle>
+          <a:p>
+            <a:endParaRPr lang="ru-RU" sz="2800" b="1" dirty="0"/>
+          </a:p>
+          <a:p>
+            <a:endParaRPr lang="ru-RU" sz="2800" dirty="0">
+              <a:solidFill>
+                <a:srgbClr val="FFC000"/>
+              </a:solidFill>
+            </a:endParaRPr>
+          </a:p>
+        </p:txBody>
+      </p:sp>
+      <p:sp>
+        <p:nvSpPr>
+          <p:cNvPr id="18" name="Заголовок 3">
+            <a:extLst>
+              <a:ext uri="{FF2B5EF4-FFF2-40B4-BE49-F238E27FC236}">
+                <a16:creationId xmlns:a16="http://schemas.microsoft.com/office/drawing/2014/main" id="{7E59699F-A8DC-4288-9EB0-E9835A7C37F0}"/>
+              </a:ext>
+            </a:extLst>
+          </p:cNvPr>
+          <p:cNvSpPr txBox="1">
+            <a:spLocks/>
+          </p:cNvSpPr>
+          <p:nvPr/>
+        </p:nvSpPr>
+        <p:spPr>
+          <a:xfrm>
+            <a:off x="2651106" y="653174"/>
+            <a:ext cx="7951303" cy="517705"/>
+          </a:xfrm>
+          <a:prstGeom prst="rect">
+            <a:avLst/>
+          </a:prstGeom>
+        </p:spPr>
+        <p:txBody>
+          <a:bodyPr vert="horz" lIns="91440" tIns="45720" rIns="91440" bIns="45720" rtlCol="0" anchor="ctr">
+            <a:normAutofit fontScale="90000" lnSpcReduction="20000"/>
+          </a:bodyPr>
+          <a:lstStyle>
+            <a:lvl1pPr algn="l" defTabSz="914400" rtl="0" eaLnBrk="1" latinLnBrk="0" hangingPunct="1">
+              <a:lnSpc>
+                <a:spcPct val="90000"/>
+              </a:lnSpc>
+              <a:spcBef>
+                <a:spcPct val="0"/>
+              </a:spcBef>
+              <a:buNone/>
+              <a:defRPr lang="en-US" sz="4000" i="0" kern="1200" cap="none" spc="0" baseline="0" dirty="0">
+                <a:solidFill>
+                  <a:schemeClr val="tx1">
+                    <a:lumMod val="85000"/>
+                    <a:lumOff val="15000"/>
+                  </a:schemeClr>
+                </a:solidFill>
+                <a:effectLst/>
+                <a:latin typeface="+mj-lt"/>
+                <a:ea typeface="+mn-ea"/>
+                <a:cs typeface="+mn-cs"/>
+              </a:defRPr>
+            </a:lvl1pPr>
+          </a:lstStyle>
+          <a:p>
+            <a:r>
+              <a:rPr lang="ru-RU" b="1" dirty="0">
+                <a:solidFill>
+                  <a:schemeClr val="accent5">
+                    <a:lumMod val="75000"/>
+                  </a:schemeClr>
+                </a:solidFill>
+              </a:rPr>
+              <a:t>Координаты мыши и сцены </a:t>
+            </a:r>
+          </a:p>
+        </p:txBody>
+      </p:sp>
+      <p:pic>
+        <p:nvPicPr>
+          <p:cNvPr id="5" name="Рисунок 4">
+            <a:extLst>
+              <a:ext uri="{FF2B5EF4-FFF2-40B4-BE49-F238E27FC236}">
+                <a16:creationId xmlns:a16="http://schemas.microsoft.com/office/drawing/2014/main" id="{99C431FA-5B07-435F-8CCE-CACF94A06998}"/>
+              </a:ext>
+            </a:extLst>
+          </p:cNvPr>
+          <p:cNvPicPr>
+            <a:picLocks noChangeAspect="1"/>
+          </p:cNvPicPr>
+          <p:nvPr/>
+        </p:nvPicPr>
+        <p:blipFill rotWithShape="1">
+          <a:blip r:embed="rId2"/>
+          <a:srcRect l="20658" t="11678" r="29343" b="29113"/>
+          <a:stretch/>
+        </p:blipFill>
+        <p:spPr>
+          <a:xfrm>
+            <a:off x="2228462" y="1302610"/>
+            <a:ext cx="7363009" cy="4902216"/>
+          </a:xfrm>
+          <a:prstGeom prst="rect">
+            <a:avLst/>
+          </a:prstGeom>
+        </p:spPr>
+      </p:pic>
+    </p:spTree>
+    <p:extLst>
+      <p:ext uri="{BB962C8B-B14F-4D97-AF65-F5344CB8AC3E}">
+        <p14:creationId xmlns:p14="http://schemas.microsoft.com/office/powerpoint/2010/main" val="156128865"/>
+      </p:ext>
+    </p:extLst>
+  </p:cSld>
+  <p:clrMapOvr>
+    <a:masterClrMapping/>
   </p:clrMapOvr>
 </p:sld>
 </file>
@@ -5805,14 +6627,6 @@
 <file path=ppt/slides/slide3.xml><?xml version="1.0" encoding="utf-8"?>
 <p:sld xmlns:a="http://schemas.openxmlformats.org/drawingml/2006/main" xmlns:r="http://schemas.openxmlformats.org/officeDocument/2006/relationships" xmlns:p="http://schemas.openxmlformats.org/presentationml/2006/main">
   <p:cSld>
-    <p:bg>
-      <p:bgPr>
-        <a:solidFill>
-          <a:schemeClr val="bg1"/>
-        </a:solidFill>
-        <a:effectLst/>
-      </p:bgPr>
-    </p:bg>
     <p:spTree>
       <p:nvGrpSpPr>
         <p:cNvPr id="1" name=""/>
@@ -5829,6 +6643,47 @@
       </p:grpSpPr>
       <p:sp>
         <p:nvSpPr>
+          <p:cNvPr id="4" name="Заголовок 3">
+            <a:extLst>
+              <a:ext uri="{FF2B5EF4-FFF2-40B4-BE49-F238E27FC236}">
+                <a16:creationId xmlns:a16="http://schemas.microsoft.com/office/drawing/2014/main" id="{4A115AD6-B700-4B08-BB76-3A31B864B8AF}"/>
+              </a:ext>
+            </a:extLst>
+          </p:cNvPr>
+          <p:cNvSpPr>
+            <a:spLocks noGrp="1"/>
+          </p:cNvSpPr>
+          <p:nvPr>
+            <p:ph type="title"/>
+          </p:nvPr>
+        </p:nvSpPr>
+        <p:spPr>
+          <a:xfrm>
+            <a:off x="3495384" y="529117"/>
+            <a:ext cx="5178100" cy="976911"/>
+          </a:xfrm>
+        </p:spPr>
+        <p:txBody>
+          <a:bodyPr>
+            <a:normAutofit fontScale="90000"/>
+          </a:bodyPr>
+          <a:lstStyle/>
+          <a:p>
+            <a:r>
+              <a:rPr lang="ru-RU" b="1" dirty="0">
+                <a:solidFill>
+                  <a:schemeClr val="accent5">
+                    <a:lumMod val="75000"/>
+                  </a:schemeClr>
+                </a:solidFill>
+              </a:rPr>
+              <a:t>Ссылка на ресурсы</a:t>
+            </a:r>
+          </a:p>
+        </p:txBody>
+      </p:sp>
+      <p:sp>
+        <p:nvSpPr>
           <p:cNvPr id="9" name="Заголовок 3">
             <a:extLst>
               <a:ext uri="{FF2B5EF4-FFF2-40B4-BE49-F238E27FC236}">
@@ -5843,8 +6698,8 @@
         </p:nvSpPr>
         <p:spPr>
           <a:xfrm>
-            <a:off x="4271831" y="2223525"/>
-            <a:ext cx="4490429" cy="1662621"/>
+            <a:off x="4005501" y="2121762"/>
+            <a:ext cx="4667983" cy="2350309"/>
           </a:xfrm>
           <a:prstGeom prst="rect">
             <a:avLst/>
@@ -5878,245 +6733,39 @@
             </a:lvl1pPr>
           </a:lstStyle>
           <a:p>
-            <a:endParaRPr lang="ru-RU" sz="2800" b="1" dirty="0"/>
-          </a:p>
-          <a:p>
             <a:endParaRPr lang="ru-RU" sz="2800" dirty="0">
               <a:solidFill>
                 <a:srgbClr val="FFC000"/>
               </a:solidFill>
             </a:endParaRPr>
           </a:p>
-        </p:txBody>
-      </p:sp>
-      <p:pic>
-        <p:nvPicPr>
-          <p:cNvPr id="3" name="Рисунок 2">
-            <a:extLst>
-              <a:ext uri="{FF2B5EF4-FFF2-40B4-BE49-F238E27FC236}">
-                <a16:creationId xmlns:a16="http://schemas.microsoft.com/office/drawing/2014/main" id="{8F57678E-EF2D-4DDD-89F8-D8A9F12D8329}"/>
-              </a:ext>
-            </a:extLst>
-          </p:cNvPr>
-          <p:cNvPicPr>
-            <a:picLocks noChangeAspect="1"/>
-          </p:cNvPicPr>
-          <p:nvPr/>
-        </p:nvPicPr>
-        <p:blipFill>
-          <a:blip r:embed="rId2">
-            <a:extLst>
-              <a:ext uri="{28A0092B-C50C-407E-A947-70E740481C1C}">
-                <a14:useLocalDpi xmlns:a14="http://schemas.microsoft.com/office/drawing/2010/main" val="0"/>
-              </a:ext>
-            </a:extLst>
-          </a:blip>
-          <a:stretch>
-            <a:fillRect/>
-          </a:stretch>
-        </p:blipFill>
-        <p:spPr>
-          <a:xfrm>
-            <a:off x="2109609" y="2869782"/>
-            <a:ext cx="1082994" cy="1489117"/>
-          </a:xfrm>
-          <a:prstGeom prst="rect">
-            <a:avLst/>
-          </a:prstGeom>
-        </p:spPr>
-      </p:pic>
-      <p:pic>
-        <p:nvPicPr>
-          <p:cNvPr id="6" name="Рисунок 5">
-            <a:extLst>
-              <a:ext uri="{FF2B5EF4-FFF2-40B4-BE49-F238E27FC236}">
-                <a16:creationId xmlns:a16="http://schemas.microsoft.com/office/drawing/2014/main" id="{6FC13556-021D-4839-8B4D-4D8539F1A797}"/>
-              </a:ext>
-            </a:extLst>
-          </p:cNvPr>
-          <p:cNvPicPr>
-            <a:picLocks noChangeAspect="1"/>
-          </p:cNvPicPr>
-          <p:nvPr/>
-        </p:nvPicPr>
-        <p:blipFill>
-          <a:blip r:embed="rId3">
-            <a:extLst>
-              <a:ext uri="{28A0092B-C50C-407E-A947-70E740481C1C}">
-                <a14:useLocalDpi xmlns:a14="http://schemas.microsoft.com/office/drawing/2010/main" val="0"/>
-              </a:ext>
-            </a:extLst>
-          </a:blip>
-          <a:stretch>
-            <a:fillRect/>
-          </a:stretch>
-        </p:blipFill>
-        <p:spPr>
-          <a:xfrm>
-            <a:off x="848848" y="4358899"/>
-            <a:ext cx="10601030" cy="895350"/>
-          </a:xfrm>
-          <a:prstGeom prst="rect">
-            <a:avLst/>
-          </a:prstGeom>
-        </p:spPr>
-      </p:pic>
-      <p:sp>
-        <p:nvSpPr>
-          <p:cNvPr id="12" name="TextBox 11">
-            <a:extLst>
-              <a:ext uri="{FF2B5EF4-FFF2-40B4-BE49-F238E27FC236}">
-                <a16:creationId xmlns:a16="http://schemas.microsoft.com/office/drawing/2014/main" id="{6521F202-4706-497D-97F4-6113C4972570}"/>
-              </a:ext>
-            </a:extLst>
-          </p:cNvPr>
-          <p:cNvSpPr txBox="1"/>
-          <p:nvPr/>
-        </p:nvSpPr>
-        <p:spPr>
-          <a:xfrm>
-            <a:off x="2148195" y="4483408"/>
-            <a:ext cx="1189749" cy="646331"/>
-          </a:xfrm>
-          <a:prstGeom prst="rect">
-            <a:avLst/>
-          </a:prstGeom>
-          <a:noFill/>
-        </p:spPr>
-        <p:txBody>
-          <a:bodyPr wrap="none" rtlCol="0">
-            <a:spAutoFit/>
-          </a:bodyPr>
-          <a:lstStyle/>
-          <a:p>
-            <a:pPr algn="ctr"/>
-            <a:r>
-              <a:rPr lang="en-US" dirty="0"/>
-              <a:t>Dynamic</a:t>
-            </a:r>
-          </a:p>
-          <a:p>
-            <a:pPr algn="ctr"/>
-            <a:r>
-              <a:rPr lang="en-US" dirty="0"/>
-              <a:t>Collider</a:t>
-            </a:r>
-            <a:endParaRPr lang="ru-RU" dirty="0"/>
-          </a:p>
-        </p:txBody>
-      </p:sp>
-      <p:sp>
-        <p:nvSpPr>
-          <p:cNvPr id="18" name="Заголовок 3">
-            <a:extLst>
-              <a:ext uri="{FF2B5EF4-FFF2-40B4-BE49-F238E27FC236}">
-                <a16:creationId xmlns:a16="http://schemas.microsoft.com/office/drawing/2014/main" id="{7E59699F-A8DC-4288-9EB0-E9835A7C37F0}"/>
-              </a:ext>
-            </a:extLst>
-          </p:cNvPr>
-          <p:cNvSpPr txBox="1">
-            <a:spLocks/>
-          </p:cNvSpPr>
-          <p:nvPr/>
-        </p:nvSpPr>
-        <p:spPr>
-          <a:xfrm>
-            <a:off x="2809462" y="367352"/>
-            <a:ext cx="9382538" cy="976911"/>
-          </a:xfrm>
-          <a:prstGeom prst="rect">
-            <a:avLst/>
-          </a:prstGeom>
-        </p:spPr>
-        <p:txBody>
-          <a:bodyPr vert="horz" lIns="91440" tIns="45720" rIns="91440" bIns="45720" rtlCol="0" anchor="ctr">
-            <a:normAutofit fontScale="97500"/>
-          </a:bodyPr>
-          <a:lstStyle>
-            <a:lvl1pPr algn="l" defTabSz="914400" rtl="0" eaLnBrk="1" latinLnBrk="0" hangingPunct="1">
-              <a:lnSpc>
-                <a:spcPct val="90000"/>
-              </a:lnSpc>
-              <a:spcBef>
-                <a:spcPct val="0"/>
-              </a:spcBef>
-              <a:buNone/>
-              <a:defRPr lang="en-US" sz="4000" i="0" kern="1200" cap="none" spc="0" baseline="0" dirty="0">
-                <a:solidFill>
-                  <a:schemeClr val="tx1">
-                    <a:lumMod val="85000"/>
-                    <a:lumOff val="15000"/>
-                  </a:schemeClr>
-                </a:solidFill>
-                <a:effectLst/>
-                <a:latin typeface="+mj-lt"/>
-                <a:ea typeface="+mn-ea"/>
-                <a:cs typeface="+mn-cs"/>
-              </a:defRPr>
-            </a:lvl1pPr>
-          </a:lstStyle>
-          <a:p>
-            <a:r>
-              <a:rPr lang="ru-RU" b="1" dirty="0">
-                <a:solidFill>
-                  <a:schemeClr val="accent5">
-                    <a:lumMod val="75000"/>
-                  </a:schemeClr>
-                </a:solidFill>
-              </a:rPr>
-              <a:t>Общее событие мыши</a:t>
-            </a:r>
-          </a:p>
-        </p:txBody>
-      </p:sp>
-      <p:sp>
-        <p:nvSpPr>
-          <p:cNvPr id="2" name="TextBox 1">
-            <a:extLst>
-              <a:ext uri="{FF2B5EF4-FFF2-40B4-BE49-F238E27FC236}">
-                <a16:creationId xmlns:a16="http://schemas.microsoft.com/office/drawing/2014/main" id="{7371269E-C4F5-489A-A04F-3E126C49ADD3}"/>
-              </a:ext>
-            </a:extLst>
-          </p:cNvPr>
-          <p:cNvSpPr txBox="1"/>
-          <p:nvPr/>
-        </p:nvSpPr>
-        <p:spPr>
-          <a:xfrm>
-            <a:off x="7281931" y="4483408"/>
-            <a:ext cx="1040671" cy="646331"/>
-          </a:xfrm>
-          <a:prstGeom prst="rect">
-            <a:avLst/>
-          </a:prstGeom>
-          <a:noFill/>
-        </p:spPr>
-        <p:txBody>
-          <a:bodyPr wrap="none" rtlCol="0">
-            <a:spAutoFit/>
-          </a:bodyPr>
-          <a:lstStyle/>
-          <a:p>
-            <a:pPr algn="ctr"/>
-            <a:r>
-              <a:rPr lang="en-US" dirty="0"/>
-              <a:t>Static</a:t>
-            </a:r>
-          </a:p>
-          <a:p>
-            <a:pPr algn="ctr"/>
-            <a:r>
-              <a:rPr lang="en-US" dirty="0"/>
-              <a:t>Collider</a:t>
-            </a:r>
-            <a:endParaRPr lang="ru-RU" dirty="0"/>
+          <a:p>
+            <a:endParaRPr lang="ru-RU" sz="2800" dirty="0">
+              <a:solidFill>
+                <a:srgbClr val="FFC000"/>
+              </a:solidFill>
+            </a:endParaRPr>
+          </a:p>
+          <a:p>
+            <a:r>
+              <a:rPr lang="en-US" sz="2800" b="1" dirty="0"/>
+              <a:t>https://goo.su/2pRa</a:t>
+            </a:r>
+            <a:endParaRPr lang="ru-RU" sz="2800" b="1" dirty="0"/>
+          </a:p>
+          <a:p>
+            <a:endParaRPr lang="ru-RU" sz="2800" dirty="0">
+              <a:solidFill>
+                <a:srgbClr val="FFC000"/>
+              </a:solidFill>
+            </a:endParaRPr>
           </a:p>
         </p:txBody>
       </p:sp>
     </p:spTree>
     <p:extLst>
       <p:ext uri="{BB962C8B-B14F-4D97-AF65-F5344CB8AC3E}">
-        <p14:creationId xmlns:p14="http://schemas.microsoft.com/office/powerpoint/2010/main" val="817800171"/>
+        <p14:creationId xmlns:p14="http://schemas.microsoft.com/office/powerpoint/2010/main" val="2114233866"/>
       </p:ext>
     </p:extLst>
   </p:cSld>
@@ -6285,42 +6934,6 @@
           </a:prstGeom>
         </p:spPr>
       </p:pic>
-      <p:pic>
-        <p:nvPicPr>
-          <p:cNvPr id="10" name="Рисунок 9">
-            <a:extLst>
-              <a:ext uri="{FF2B5EF4-FFF2-40B4-BE49-F238E27FC236}">
-                <a16:creationId xmlns:a16="http://schemas.microsoft.com/office/drawing/2014/main" id="{A90AFAD6-4F0E-4681-84FC-517D1B3ED042}"/>
-              </a:ext>
-            </a:extLst>
-          </p:cNvPr>
-          <p:cNvPicPr>
-            <a:picLocks noChangeAspect="1"/>
-          </p:cNvPicPr>
-          <p:nvPr/>
-        </p:nvPicPr>
-        <p:blipFill>
-          <a:blip r:embed="rId4">
-            <a:extLst>
-              <a:ext uri="{28A0092B-C50C-407E-A947-70E740481C1C}">
-                <a14:useLocalDpi xmlns:a14="http://schemas.microsoft.com/office/drawing/2010/main" val="0"/>
-              </a:ext>
-            </a:extLst>
-          </a:blip>
-          <a:stretch>
-            <a:fillRect/>
-          </a:stretch>
-        </p:blipFill>
-        <p:spPr>
-          <a:xfrm>
-            <a:off x="8278638" y="3397305"/>
-            <a:ext cx="967244" cy="977682"/>
-          </a:xfrm>
-          <a:prstGeom prst="rect">
-            <a:avLst/>
-          </a:prstGeom>
-        </p:spPr>
-      </p:pic>
       <p:sp>
         <p:nvSpPr>
           <p:cNvPr id="12" name="TextBox 11">
@@ -6367,43 +6980,6 @@
       </p:sp>
       <p:sp>
         <p:nvSpPr>
-          <p:cNvPr id="13" name="TextBox 12">
-            <a:extLst>
-              <a:ext uri="{FF2B5EF4-FFF2-40B4-BE49-F238E27FC236}">
-                <a16:creationId xmlns:a16="http://schemas.microsoft.com/office/drawing/2014/main" id="{EF3C8931-6AEC-4D5F-BA18-EEAD4B92FEA5}"/>
-              </a:ext>
-            </a:extLst>
-          </p:cNvPr>
-          <p:cNvSpPr txBox="1"/>
-          <p:nvPr/>
-        </p:nvSpPr>
-        <p:spPr>
-          <a:xfrm>
-            <a:off x="8183297" y="4499585"/>
-            <a:ext cx="801823" cy="369332"/>
-          </a:xfrm>
-          <a:prstGeom prst="rect">
-            <a:avLst/>
-          </a:prstGeom>
-          <a:noFill/>
-        </p:spPr>
-        <p:txBody>
-          <a:bodyPr wrap="none" rtlCol="0">
-            <a:spAutoFit/>
-          </a:bodyPr>
-          <a:lstStyle/>
-          <a:p>
-            <a:pPr algn="ctr"/>
-            <a:r>
-              <a:rPr lang="en-US" dirty="0"/>
-              <a:t>Sprite</a:t>
-            </a:r>
-            <a:endParaRPr lang="ru-RU" dirty="0"/>
-          </a:p>
-        </p:txBody>
-      </p:sp>
-      <p:sp>
-        <p:nvSpPr>
           <p:cNvPr id="18" name="Заголовок 3">
             <a:extLst>
               <a:ext uri="{FF2B5EF4-FFF2-40B4-BE49-F238E27FC236}">
@@ -6418,7 +6994,7 @@
         </p:nvSpPr>
         <p:spPr>
           <a:xfrm>
-            <a:off x="1722784" y="367352"/>
+            <a:off x="2809462" y="367352"/>
             <a:ext cx="9382538" cy="976911"/>
           </a:xfrm>
           <a:prstGeom prst="rect">
@@ -6427,7 +7003,7 @@
         </p:spPr>
         <p:txBody>
           <a:bodyPr vert="horz" lIns="91440" tIns="45720" rIns="91440" bIns="45720" rtlCol="0" anchor="ctr">
-            <a:normAutofit fontScale="90000"/>
+            <a:normAutofit fontScale="97500"/>
           </a:bodyPr>
           <a:lstStyle>
             <a:lvl1pPr algn="l" defTabSz="914400" rtl="0" eaLnBrk="1" latinLnBrk="0" hangingPunct="1">
@@ -6461,17 +7037,17 @@
                   </a:schemeClr>
                 </a:solidFill>
               </a:rPr>
-              <a:t>Событие мыши конкретного объекта</a:t>
-            </a:r>
-          </a:p>
-        </p:txBody>
-      </p:sp>
-      <p:sp>
-        <p:nvSpPr>
-          <p:cNvPr id="21" name="TextBox 20">
+              <a:t>Общее событие мыши</a:t>
+            </a:r>
+          </a:p>
+        </p:txBody>
+      </p:sp>
+      <p:sp>
+        <p:nvSpPr>
+          <p:cNvPr id="2" name="TextBox 1">
             <a:extLst>
               <a:ext uri="{FF2B5EF4-FFF2-40B4-BE49-F238E27FC236}">
-                <a16:creationId xmlns:a16="http://schemas.microsoft.com/office/drawing/2014/main" id="{DDE8DCF4-03FF-40AD-ADC0-0520F8166881}"/>
+                <a16:creationId xmlns:a16="http://schemas.microsoft.com/office/drawing/2014/main" id="{7371269E-C4F5-489A-A04F-3E126C49ADD3}"/>
               </a:ext>
             </a:extLst>
           </p:cNvPr>
@@ -6480,8 +7056,8 @@
         </p:nvSpPr>
         <p:spPr>
           <a:xfrm>
-            <a:off x="3811730" y="1610086"/>
-            <a:ext cx="6096000" cy="1323439"/>
+            <a:off x="7281931" y="4483408"/>
+            <a:ext cx="1040671" cy="646331"/>
           </a:xfrm>
           <a:prstGeom prst="rect">
             <a:avLst/>
@@ -6489,64 +7065,31 @@
           <a:noFill/>
         </p:spPr>
         <p:txBody>
-          <a:bodyPr wrap="square">
+          <a:bodyPr wrap="none" rtlCol="0">
             <a:spAutoFit/>
           </a:bodyPr>
           <a:lstStyle/>
           <a:p>
-            <a:r>
-              <a:rPr lang="ru-RU" dirty="0"/>
-              <a:t> </a:t>
-            </a:r>
-            <a:r>
-              <a:rPr lang="ru-RU" sz="2000" b="1" dirty="0" err="1"/>
-              <a:t>private</a:t>
-            </a:r>
-            <a:r>
-              <a:rPr lang="ru-RU" sz="2000" b="1" dirty="0"/>
-              <a:t> </a:t>
-            </a:r>
-            <a:r>
-              <a:rPr lang="ru-RU" sz="2000" b="1" dirty="0" err="1"/>
-              <a:t>void</a:t>
-            </a:r>
-            <a:r>
-              <a:rPr lang="ru-RU" sz="2000" b="1" dirty="0"/>
-              <a:t> </a:t>
-            </a:r>
-            <a:r>
-              <a:rPr lang="ru-RU" sz="2000" b="1" dirty="0" err="1"/>
-              <a:t>OnMouseDown</a:t>
-            </a:r>
-            <a:r>
-              <a:rPr lang="ru-RU" sz="2000" b="1" dirty="0"/>
-              <a:t>()</a:t>
-            </a:r>
-          </a:p>
-          <a:p>
-            <a:r>
-              <a:rPr lang="ru-RU" sz="2000" b="1" dirty="0"/>
-              <a:t>    {</a:t>
-            </a:r>
-          </a:p>
-          <a:p>
-            <a:r>
-              <a:rPr lang="ru-RU" sz="2000" b="1" dirty="0"/>
-              <a:t>        </a:t>
-            </a:r>
-          </a:p>
-          <a:p>
-            <a:r>
-              <a:rPr lang="ru-RU" sz="2000" b="1" dirty="0"/>
-              <a:t>    }</a:t>
-            </a:r>
+            <a:pPr algn="ctr"/>
+            <a:r>
+              <a:rPr lang="en-US" dirty="0"/>
+              <a:t>Static</a:t>
+            </a:r>
+          </a:p>
+          <a:p>
+            <a:pPr algn="ctr"/>
+            <a:r>
+              <a:rPr lang="en-US" dirty="0"/>
+              <a:t>Collider</a:t>
+            </a:r>
+            <a:endParaRPr lang="ru-RU" dirty="0"/>
           </a:p>
         </p:txBody>
       </p:sp>
     </p:spTree>
     <p:extLst>
       <p:ext uri="{BB962C8B-B14F-4D97-AF65-F5344CB8AC3E}">
-        <p14:creationId xmlns:p14="http://schemas.microsoft.com/office/powerpoint/2010/main" val="1455843240"/>
+        <p14:creationId xmlns:p14="http://schemas.microsoft.com/office/powerpoint/2010/main" val="817800171"/>
       </p:ext>
     </p:extLst>
   </p:cSld>
@@ -6643,6 +7186,195 @@
           </a:p>
         </p:txBody>
       </p:sp>
+      <p:pic>
+        <p:nvPicPr>
+          <p:cNvPr id="3" name="Рисунок 2">
+            <a:extLst>
+              <a:ext uri="{FF2B5EF4-FFF2-40B4-BE49-F238E27FC236}">
+                <a16:creationId xmlns:a16="http://schemas.microsoft.com/office/drawing/2014/main" id="{8F57678E-EF2D-4DDD-89F8-D8A9F12D8329}"/>
+              </a:ext>
+            </a:extLst>
+          </p:cNvPr>
+          <p:cNvPicPr>
+            <a:picLocks noChangeAspect="1"/>
+          </p:cNvPicPr>
+          <p:nvPr/>
+        </p:nvPicPr>
+        <p:blipFill>
+          <a:blip r:embed="rId2">
+            <a:extLst>
+              <a:ext uri="{28A0092B-C50C-407E-A947-70E740481C1C}">
+                <a14:useLocalDpi xmlns:a14="http://schemas.microsoft.com/office/drawing/2010/main" val="0"/>
+              </a:ext>
+            </a:extLst>
+          </a:blip>
+          <a:stretch>
+            <a:fillRect/>
+          </a:stretch>
+        </p:blipFill>
+        <p:spPr>
+          <a:xfrm>
+            <a:off x="2109609" y="2869782"/>
+            <a:ext cx="1082994" cy="1489117"/>
+          </a:xfrm>
+          <a:prstGeom prst="rect">
+            <a:avLst/>
+          </a:prstGeom>
+        </p:spPr>
+      </p:pic>
+      <p:pic>
+        <p:nvPicPr>
+          <p:cNvPr id="6" name="Рисунок 5">
+            <a:extLst>
+              <a:ext uri="{FF2B5EF4-FFF2-40B4-BE49-F238E27FC236}">
+                <a16:creationId xmlns:a16="http://schemas.microsoft.com/office/drawing/2014/main" id="{6FC13556-021D-4839-8B4D-4D8539F1A797}"/>
+              </a:ext>
+            </a:extLst>
+          </p:cNvPr>
+          <p:cNvPicPr>
+            <a:picLocks noChangeAspect="1"/>
+          </p:cNvPicPr>
+          <p:nvPr/>
+        </p:nvPicPr>
+        <p:blipFill>
+          <a:blip r:embed="rId3">
+            <a:extLst>
+              <a:ext uri="{28A0092B-C50C-407E-A947-70E740481C1C}">
+                <a14:useLocalDpi xmlns:a14="http://schemas.microsoft.com/office/drawing/2010/main" val="0"/>
+              </a:ext>
+            </a:extLst>
+          </a:blip>
+          <a:stretch>
+            <a:fillRect/>
+          </a:stretch>
+        </p:blipFill>
+        <p:spPr>
+          <a:xfrm>
+            <a:off x="848848" y="4358899"/>
+            <a:ext cx="10601030" cy="895350"/>
+          </a:xfrm>
+          <a:prstGeom prst="rect">
+            <a:avLst/>
+          </a:prstGeom>
+        </p:spPr>
+      </p:pic>
+      <p:pic>
+        <p:nvPicPr>
+          <p:cNvPr id="10" name="Рисунок 9">
+            <a:extLst>
+              <a:ext uri="{FF2B5EF4-FFF2-40B4-BE49-F238E27FC236}">
+                <a16:creationId xmlns:a16="http://schemas.microsoft.com/office/drawing/2014/main" id="{A90AFAD6-4F0E-4681-84FC-517D1B3ED042}"/>
+              </a:ext>
+            </a:extLst>
+          </p:cNvPr>
+          <p:cNvPicPr>
+            <a:picLocks noChangeAspect="1"/>
+          </p:cNvPicPr>
+          <p:nvPr/>
+        </p:nvPicPr>
+        <p:blipFill>
+          <a:blip r:embed="rId4">
+            <a:extLst>
+              <a:ext uri="{28A0092B-C50C-407E-A947-70E740481C1C}">
+                <a14:useLocalDpi xmlns:a14="http://schemas.microsoft.com/office/drawing/2010/main" val="0"/>
+              </a:ext>
+            </a:extLst>
+          </a:blip>
+          <a:stretch>
+            <a:fillRect/>
+          </a:stretch>
+        </p:blipFill>
+        <p:spPr>
+          <a:xfrm>
+            <a:off x="8278638" y="3397305"/>
+            <a:ext cx="967244" cy="977682"/>
+          </a:xfrm>
+          <a:prstGeom prst="rect">
+            <a:avLst/>
+          </a:prstGeom>
+        </p:spPr>
+      </p:pic>
+      <p:sp>
+        <p:nvSpPr>
+          <p:cNvPr id="12" name="TextBox 11">
+            <a:extLst>
+              <a:ext uri="{FF2B5EF4-FFF2-40B4-BE49-F238E27FC236}">
+                <a16:creationId xmlns:a16="http://schemas.microsoft.com/office/drawing/2014/main" id="{6521F202-4706-497D-97F4-6113C4972570}"/>
+              </a:ext>
+            </a:extLst>
+          </p:cNvPr>
+          <p:cNvSpPr txBox="1"/>
+          <p:nvPr/>
+        </p:nvSpPr>
+        <p:spPr>
+          <a:xfrm>
+            <a:off x="2148195" y="4483408"/>
+            <a:ext cx="1189749" cy="646331"/>
+          </a:xfrm>
+          <a:prstGeom prst="rect">
+            <a:avLst/>
+          </a:prstGeom>
+          <a:noFill/>
+        </p:spPr>
+        <p:txBody>
+          <a:bodyPr wrap="none" rtlCol="0">
+            <a:spAutoFit/>
+          </a:bodyPr>
+          <a:lstStyle/>
+          <a:p>
+            <a:pPr algn="ctr"/>
+            <a:r>
+              <a:rPr lang="en-US" dirty="0"/>
+              <a:t>Dynamic</a:t>
+            </a:r>
+          </a:p>
+          <a:p>
+            <a:pPr algn="ctr"/>
+            <a:r>
+              <a:rPr lang="en-US" dirty="0"/>
+              <a:t>Collider</a:t>
+            </a:r>
+            <a:endParaRPr lang="ru-RU" dirty="0"/>
+          </a:p>
+        </p:txBody>
+      </p:sp>
+      <p:sp>
+        <p:nvSpPr>
+          <p:cNvPr id="13" name="TextBox 12">
+            <a:extLst>
+              <a:ext uri="{FF2B5EF4-FFF2-40B4-BE49-F238E27FC236}">
+                <a16:creationId xmlns:a16="http://schemas.microsoft.com/office/drawing/2014/main" id="{EF3C8931-6AEC-4D5F-BA18-EEAD4B92FEA5}"/>
+              </a:ext>
+            </a:extLst>
+          </p:cNvPr>
+          <p:cNvSpPr txBox="1"/>
+          <p:nvPr/>
+        </p:nvSpPr>
+        <p:spPr>
+          <a:xfrm>
+            <a:off x="8183297" y="4499585"/>
+            <a:ext cx="801823" cy="369332"/>
+          </a:xfrm>
+          <a:prstGeom prst="rect">
+            <a:avLst/>
+          </a:prstGeom>
+          <a:noFill/>
+        </p:spPr>
+        <p:txBody>
+          <a:bodyPr wrap="none" rtlCol="0">
+            <a:spAutoFit/>
+          </a:bodyPr>
+          <a:lstStyle/>
+          <a:p>
+            <a:pPr algn="ctr"/>
+            <a:r>
+              <a:rPr lang="en-US" dirty="0"/>
+              <a:t>Sprite</a:t>
+            </a:r>
+            <a:endParaRPr lang="ru-RU" dirty="0"/>
+          </a:p>
+        </p:txBody>
+      </p:sp>
       <p:sp>
         <p:nvSpPr>
           <p:cNvPr id="18" name="Заголовок 3">
@@ -6659,8 +7391,8 @@
         </p:nvSpPr>
         <p:spPr>
           <a:xfrm>
-            <a:off x="2651106" y="653174"/>
-            <a:ext cx="7951303" cy="517705"/>
+            <a:off x="1722784" y="367352"/>
+            <a:ext cx="9382538" cy="976911"/>
           </a:xfrm>
           <a:prstGeom prst="rect">
             <a:avLst/>
@@ -6668,7 +7400,7 @@
         </p:spPr>
         <p:txBody>
           <a:bodyPr vert="horz" lIns="91440" tIns="45720" rIns="91440" bIns="45720" rtlCol="0" anchor="ctr">
-            <a:normAutofit fontScale="90000" lnSpcReduction="20000"/>
+            <a:normAutofit fontScale="90000"/>
           </a:bodyPr>
           <a:lstStyle>
             <a:lvl1pPr algn="l" defTabSz="914400" rtl="0" eaLnBrk="1" latinLnBrk="0" hangingPunct="1">
@@ -6702,7 +7434,7 @@
                   </a:schemeClr>
                 </a:solidFill>
               </a:rPr>
-              <a:t>Координаты мыши и сцены </a:t>
+              <a:t>Событие мыши конкретного объекта</a:t>
             </a:r>
           </a:p>
         </p:txBody>
@@ -6721,8 +7453,8 @@
         </p:nvSpPr>
         <p:spPr>
           <a:xfrm>
-            <a:off x="595407" y="3156694"/>
-            <a:ext cx="3415119" cy="1200329"/>
+            <a:off x="3811730" y="1610086"/>
+            <a:ext cx="6096000" cy="1323439"/>
           </a:xfrm>
           <a:prstGeom prst="rect">
             <a:avLst/>
@@ -6736,56 +7468,58 @@
           <a:lstStyle/>
           <a:p>
             <a:r>
-              <a:rPr lang="en-US" sz="2400" b="1" dirty="0" err="1"/>
-              <a:t>Input.mousePosition.x</a:t>
-            </a:r>
-            <a:endParaRPr lang="ru-RU" sz="2400" b="1" dirty="0"/>
-          </a:p>
-          <a:p>
-            <a:r>
-              <a:rPr lang="en-US" sz="2400" b="1" dirty="0" err="1"/>
-              <a:t>Input.mousePosition.y</a:t>
-            </a:r>
-            <a:endParaRPr lang="ru-RU" sz="2400" b="1" dirty="0"/>
-          </a:p>
-          <a:p>
-            <a:endParaRPr lang="ru-RU" sz="2400" b="1" dirty="0"/>
-          </a:p>
-        </p:txBody>
-      </p:sp>
-      <p:pic>
-        <p:nvPicPr>
-          <p:cNvPr id="3" name="Рисунок 2">
-            <a:extLst>
-              <a:ext uri="{FF2B5EF4-FFF2-40B4-BE49-F238E27FC236}">
-                <a16:creationId xmlns:a16="http://schemas.microsoft.com/office/drawing/2014/main" id="{E39DBE4B-063B-4D92-B318-7DBAD09CCCE7}"/>
-              </a:ext>
-            </a:extLst>
-          </p:cNvPr>
-          <p:cNvPicPr>
-            <a:picLocks noChangeAspect="1"/>
-          </p:cNvPicPr>
-          <p:nvPr/>
-        </p:nvPicPr>
-        <p:blipFill rotWithShape="1">
-          <a:blip r:embed="rId2"/>
-          <a:srcRect l="20658" t="11678" r="29343" b="29113"/>
-          <a:stretch/>
-        </p:blipFill>
-        <p:spPr>
-          <a:xfrm>
-            <a:off x="4243017" y="1308892"/>
-            <a:ext cx="7353576" cy="4895934"/>
-          </a:xfrm>
-          <a:prstGeom prst="rect">
-            <a:avLst/>
-          </a:prstGeom>
-        </p:spPr>
-      </p:pic>
+              <a:rPr lang="ru-RU" dirty="0"/>
+              <a:t> </a:t>
+            </a:r>
+            <a:r>
+              <a:rPr lang="ru-RU" sz="2000" b="1" dirty="0" err="1"/>
+              <a:t>private</a:t>
+            </a:r>
+            <a:r>
+              <a:rPr lang="ru-RU" sz="2000" b="1" dirty="0"/>
+              <a:t> </a:t>
+            </a:r>
+            <a:r>
+              <a:rPr lang="ru-RU" sz="2000" b="1" dirty="0" err="1"/>
+              <a:t>void</a:t>
+            </a:r>
+            <a:r>
+              <a:rPr lang="ru-RU" sz="2000" b="1" dirty="0"/>
+              <a:t> </a:t>
+            </a:r>
+            <a:r>
+              <a:rPr lang="ru-RU" sz="2000" b="1" dirty="0" err="1"/>
+              <a:t>OnMouseDown</a:t>
+            </a:r>
+            <a:r>
+              <a:rPr lang="ru-RU" sz="2000" b="1" dirty="0"/>
+              <a:t>()</a:t>
+            </a:r>
+          </a:p>
+          <a:p>
+            <a:r>
+              <a:rPr lang="ru-RU" sz="2000" b="1" dirty="0"/>
+              <a:t>    {</a:t>
+            </a:r>
+          </a:p>
+          <a:p>
+            <a:r>
+              <a:rPr lang="ru-RU" sz="2000" b="1" dirty="0"/>
+              <a:t>        </a:t>
+            </a:r>
+          </a:p>
+          <a:p>
+            <a:r>
+              <a:rPr lang="ru-RU" sz="2000" b="1" dirty="0"/>
+              <a:t>    }</a:t>
+            </a:r>
+          </a:p>
+        </p:txBody>
+      </p:sp>
     </p:spTree>
     <p:extLst>
       <p:ext uri="{BB962C8B-B14F-4D97-AF65-F5344CB8AC3E}">
-        <p14:creationId xmlns:p14="http://schemas.microsoft.com/office/powerpoint/2010/main" val="1743072601"/>
+        <p14:creationId xmlns:p14="http://schemas.microsoft.com/office/powerpoint/2010/main" val="1455843240"/>
       </p:ext>
     </p:extLst>
   </p:cSld>
@@ -6946,12 +7680,58 @@
           </a:p>
         </p:txBody>
       </p:sp>
+      <p:sp>
+        <p:nvSpPr>
+          <p:cNvPr id="21" name="TextBox 20">
+            <a:extLst>
+              <a:ext uri="{FF2B5EF4-FFF2-40B4-BE49-F238E27FC236}">
+                <a16:creationId xmlns:a16="http://schemas.microsoft.com/office/drawing/2014/main" id="{DDE8DCF4-03FF-40AD-ADC0-0520F8166881}"/>
+              </a:ext>
+            </a:extLst>
+          </p:cNvPr>
+          <p:cNvSpPr txBox="1"/>
+          <p:nvPr/>
+        </p:nvSpPr>
+        <p:spPr>
+          <a:xfrm>
+            <a:off x="595407" y="3156694"/>
+            <a:ext cx="3415119" cy="1200329"/>
+          </a:xfrm>
+          <a:prstGeom prst="rect">
+            <a:avLst/>
+          </a:prstGeom>
+          <a:noFill/>
+        </p:spPr>
+        <p:txBody>
+          <a:bodyPr wrap="square">
+            <a:spAutoFit/>
+          </a:bodyPr>
+          <a:lstStyle/>
+          <a:p>
+            <a:r>
+              <a:rPr lang="en-US" sz="2400" b="1" dirty="0" err="1"/>
+              <a:t>Input.mousePosition.x</a:t>
+            </a:r>
+            <a:endParaRPr lang="ru-RU" sz="2400" b="1" dirty="0"/>
+          </a:p>
+          <a:p>
+            <a:r>
+              <a:rPr lang="en-US" sz="2400" b="1" dirty="0" err="1"/>
+              <a:t>Input.mousePosition.y</a:t>
+            </a:r>
+            <a:endParaRPr lang="ru-RU" sz="2400" b="1" dirty="0"/>
+          </a:p>
+          <a:p>
+            <a:endParaRPr lang="ru-RU" sz="2400" b="1" dirty="0"/>
+          </a:p>
+        </p:txBody>
+      </p:sp>
       <p:pic>
         <p:nvPicPr>
-          <p:cNvPr id="4" name="Рисунок 3">
+          <p:cNvPr id="3" name="Рисунок 2">
             <a:extLst>
               <a:ext uri="{FF2B5EF4-FFF2-40B4-BE49-F238E27FC236}">
-                <a16:creationId xmlns:a16="http://schemas.microsoft.com/office/drawing/2014/main" id="{6B20667C-3FB7-4DCD-BB88-145995952958}"/>
+                <a16:creationId xmlns:a16="http://schemas.microsoft.com/office/drawing/2014/main" id="{E39DBE4B-063B-4D92-B318-7DBAD09CCCE7}"/>
               </a:ext>
             </a:extLst>
           </p:cNvPr>
@@ -6962,69 +7742,23 @@
         </p:nvPicPr>
         <p:blipFill rotWithShape="1">
           <a:blip r:embed="rId2"/>
-          <a:srcRect l="23421" t="14251" r="36710" b="32623"/>
+          <a:srcRect l="20658" t="11678" r="29343" b="29113"/>
           <a:stretch/>
         </p:blipFill>
         <p:spPr>
           <a:xfrm>
-            <a:off x="4668253" y="1403905"/>
-            <a:ext cx="6878822" cy="4566970"/>
+            <a:off x="4243017" y="1308892"/>
+            <a:ext cx="7353576" cy="4895934"/>
           </a:xfrm>
           <a:prstGeom prst="rect">
             <a:avLst/>
           </a:prstGeom>
         </p:spPr>
       </p:pic>
-      <p:sp>
-        <p:nvSpPr>
-          <p:cNvPr id="5" name="TextBox 4">
-            <a:extLst>
-              <a:ext uri="{FF2B5EF4-FFF2-40B4-BE49-F238E27FC236}">
-                <a16:creationId xmlns:a16="http://schemas.microsoft.com/office/drawing/2014/main" id="{9011AF2F-E66F-4890-BB43-944E506FAA64}"/>
-              </a:ext>
-            </a:extLst>
-          </p:cNvPr>
-          <p:cNvSpPr txBox="1"/>
-          <p:nvPr/>
-        </p:nvSpPr>
-        <p:spPr>
-          <a:xfrm>
-            <a:off x="595407" y="3156694"/>
-            <a:ext cx="3415119" cy="1200329"/>
-          </a:xfrm>
-          <a:prstGeom prst="rect">
-            <a:avLst/>
-          </a:prstGeom>
-          <a:noFill/>
-        </p:spPr>
-        <p:txBody>
-          <a:bodyPr wrap="square">
-            <a:spAutoFit/>
-          </a:bodyPr>
-          <a:lstStyle/>
-          <a:p>
-            <a:r>
-              <a:rPr lang="en-US" sz="2400" b="1" dirty="0" err="1"/>
-              <a:t>transform.position.x</a:t>
-            </a:r>
-            <a:endParaRPr lang="ru-RU" sz="2400" b="1" dirty="0"/>
-          </a:p>
-          <a:p>
-            <a:r>
-              <a:rPr lang="en-US" sz="2400" b="1" dirty="0" err="1"/>
-              <a:t>transform.position.y</a:t>
-            </a:r>
-            <a:endParaRPr lang="ru-RU" sz="2400" b="1" dirty="0"/>
-          </a:p>
-          <a:p>
-            <a:endParaRPr lang="ru-RU" sz="2400" b="1" dirty="0"/>
-          </a:p>
-        </p:txBody>
-      </p:sp>
     </p:spTree>
     <p:extLst>
       <p:ext uri="{BB962C8B-B14F-4D97-AF65-F5344CB8AC3E}">
-        <p14:creationId xmlns:p14="http://schemas.microsoft.com/office/powerpoint/2010/main" val="838336716"/>
+        <p14:creationId xmlns:p14="http://schemas.microsoft.com/office/powerpoint/2010/main" val="1743072601"/>
       </p:ext>
     </p:extLst>
   </p:cSld>
@@ -7185,52 +7919,12 @@
           </a:p>
         </p:txBody>
       </p:sp>
-      <p:sp>
-        <p:nvSpPr>
-          <p:cNvPr id="21" name="TextBox 20">
+      <p:pic>
+        <p:nvPicPr>
+          <p:cNvPr id="4" name="Рисунок 3">
             <a:extLst>
               <a:ext uri="{FF2B5EF4-FFF2-40B4-BE49-F238E27FC236}">
-                <a16:creationId xmlns:a16="http://schemas.microsoft.com/office/drawing/2014/main" id="{DDE8DCF4-03FF-40AD-ADC0-0520F8166881}"/>
-              </a:ext>
-            </a:extLst>
-          </p:cNvPr>
-          <p:cNvSpPr txBox="1"/>
-          <p:nvPr/>
-        </p:nvSpPr>
-        <p:spPr>
-          <a:xfrm>
-            <a:off x="1738814" y="1869582"/>
-            <a:ext cx="9088186" cy="707886"/>
-          </a:xfrm>
-          <a:prstGeom prst="rect">
-            <a:avLst/>
-          </a:prstGeom>
-          <a:noFill/>
-        </p:spPr>
-        <p:txBody>
-          <a:bodyPr wrap="square">
-            <a:spAutoFit/>
-          </a:bodyPr>
-          <a:lstStyle/>
-          <a:p>
-            <a:r>
-              <a:rPr lang="en-US" sz="4000" dirty="0"/>
-              <a:t> </a:t>
-            </a:r>
-            <a:r>
-              <a:rPr lang="en-US" sz="4000" dirty="0" err="1"/>
-              <a:t>Camera.main.ScreenToWorldPoint</a:t>
-            </a:r>
-            <a:endParaRPr lang="ru-RU" sz="4000" b="1" dirty="0"/>
-          </a:p>
-        </p:txBody>
-      </p:sp>
-      <p:pic>
-        <p:nvPicPr>
-          <p:cNvPr id="2" name="Рисунок 1">
-            <a:extLst>
-              <a:ext uri="{FF2B5EF4-FFF2-40B4-BE49-F238E27FC236}">
-                <a16:creationId xmlns:a16="http://schemas.microsoft.com/office/drawing/2014/main" id="{E96805E5-40D5-407C-838A-67919D48E948}"/>
+                <a16:creationId xmlns:a16="http://schemas.microsoft.com/office/drawing/2014/main" id="{6B20667C-3FB7-4DCD-BB88-145995952958}"/>
               </a:ext>
             </a:extLst>
           </p:cNvPr>
@@ -7246,105 +7940,64 @@
         </p:blipFill>
         <p:spPr>
           <a:xfrm>
-            <a:off x="7053939" y="3109231"/>
-            <a:ext cx="4217350" cy="2799973"/>
+            <a:off x="4668253" y="1403905"/>
+            <a:ext cx="6878822" cy="4566970"/>
           </a:xfrm>
           <a:prstGeom prst="rect">
             <a:avLst/>
           </a:prstGeom>
         </p:spPr>
       </p:pic>
-      <p:pic>
-        <p:nvPicPr>
-          <p:cNvPr id="3" name="Рисунок 2">
+      <p:sp>
+        <p:nvSpPr>
+          <p:cNvPr id="5" name="TextBox 4">
             <a:extLst>
               <a:ext uri="{FF2B5EF4-FFF2-40B4-BE49-F238E27FC236}">
-                <a16:creationId xmlns:a16="http://schemas.microsoft.com/office/drawing/2014/main" id="{B93B906B-CD15-49ED-8B4C-6645E6111EFA}"/>
+                <a16:creationId xmlns:a16="http://schemas.microsoft.com/office/drawing/2014/main" id="{9011AF2F-E66F-4890-BB43-944E506FAA64}"/>
               </a:ext>
             </a:extLst>
           </p:cNvPr>
-          <p:cNvPicPr>
-            <a:picLocks noChangeAspect="1"/>
-          </p:cNvPicPr>
+          <p:cNvSpPr txBox="1"/>
           <p:nvPr/>
-        </p:nvPicPr>
-        <p:blipFill rotWithShape="1">
-          <a:blip r:embed="rId3"/>
-          <a:srcRect l="20658" t="11678" r="29343" b="29113"/>
-          <a:stretch/>
-        </p:blipFill>
-        <p:spPr>
-          <a:xfrm>
-            <a:off x="920711" y="3133379"/>
-            <a:ext cx="4169224" cy="2775826"/>
+        </p:nvSpPr>
+        <p:spPr>
+          <a:xfrm>
+            <a:off x="595407" y="3156694"/>
+            <a:ext cx="3415119" cy="1200329"/>
           </a:xfrm>
           <a:prstGeom prst="rect">
             <a:avLst/>
           </a:prstGeom>
-        </p:spPr>
-      </p:pic>
-      <p:sp>
-        <p:nvSpPr>
-          <p:cNvPr id="4" name="Стрелка: вправо 3">
-            <a:extLst>
-              <a:ext uri="{FF2B5EF4-FFF2-40B4-BE49-F238E27FC236}">
-                <a16:creationId xmlns:a16="http://schemas.microsoft.com/office/drawing/2014/main" id="{F6F5B958-F12B-48A7-8E74-FB2BED69EE37}"/>
-              </a:ext>
-            </a:extLst>
-          </p:cNvPr>
-          <p:cNvSpPr/>
-          <p:nvPr/>
-        </p:nvSpPr>
-        <p:spPr>
-          <a:xfrm>
-            <a:off x="5422232" y="3753853"/>
-            <a:ext cx="1299410" cy="707886"/>
-          </a:xfrm>
-          <a:prstGeom prst="rightArrow">
-            <a:avLst/>
-          </a:prstGeom>
-          <a:solidFill>
-            <a:schemeClr val="accent5">
-              <a:lumMod val="75000"/>
-            </a:schemeClr>
-          </a:solidFill>
-          <a:ln>
-            <a:solidFill>
-              <a:schemeClr val="accent5">
-                <a:lumMod val="75000"/>
-              </a:schemeClr>
-            </a:solidFill>
-          </a:ln>
-        </p:spPr>
-        <p:style>
-          <a:lnRef idx="2">
-            <a:schemeClr val="accent1">
-              <a:shade val="50000"/>
-            </a:schemeClr>
-          </a:lnRef>
-          <a:fillRef idx="1">
-            <a:schemeClr val="accent1"/>
-          </a:fillRef>
-          <a:effectRef idx="0">
-            <a:schemeClr val="accent1"/>
-          </a:effectRef>
-          <a:fontRef idx="minor">
-            <a:schemeClr val="lt1"/>
-          </a:fontRef>
-        </p:style>
-        <p:txBody>
-          <a:bodyPr rtlCol="0" anchor="ctr"/>
+          <a:noFill/>
+        </p:spPr>
+        <p:txBody>
+          <a:bodyPr wrap="square">
+            <a:spAutoFit/>
+          </a:bodyPr>
           <a:lstStyle/>
           <a:p>
-            <a:pPr algn="ctr"/>
-            <a:endParaRPr lang="ru-RU"/>
+            <a:r>
+              <a:rPr lang="en-US" sz="2400" b="1" dirty="0" err="1"/>
+              <a:t>transform.position.x</a:t>
+            </a:r>
+            <a:endParaRPr lang="ru-RU" sz="2400" b="1" dirty="0"/>
+          </a:p>
+          <a:p>
+            <a:r>
+              <a:rPr lang="en-US" sz="2400" b="1" dirty="0" err="1"/>
+              <a:t>transform.position.y</a:t>
+            </a:r>
+            <a:endParaRPr lang="ru-RU" sz="2400" b="1" dirty="0"/>
+          </a:p>
+          <a:p>
+            <a:endParaRPr lang="ru-RU" sz="2400" b="1" dirty="0"/>
           </a:p>
         </p:txBody>
       </p:sp>
     </p:spTree>
     <p:extLst>
       <p:ext uri="{BB962C8B-B14F-4D97-AF65-F5344CB8AC3E}">
-        <p14:creationId xmlns:p14="http://schemas.microsoft.com/office/powerpoint/2010/main" val="1201238647"/>
+        <p14:creationId xmlns:p14="http://schemas.microsoft.com/office/powerpoint/2010/main" val="838336716"/>
       </p:ext>
     </p:extLst>
   </p:cSld>
@@ -7505,12 +8158,441 @@
           </a:p>
         </p:txBody>
       </p:sp>
-      <p:sp>
-        <p:nvSpPr>
-          <p:cNvPr id="21" name="TextBox 20">
+      <p:pic>
+        <p:nvPicPr>
+          <p:cNvPr id="5" name="Рисунок 4">
             <a:extLst>
               <a:ext uri="{FF2B5EF4-FFF2-40B4-BE49-F238E27FC236}">
-                <a16:creationId xmlns:a16="http://schemas.microsoft.com/office/drawing/2014/main" id="{DDE8DCF4-03FF-40AD-ADC0-0520F8166881}"/>
+                <a16:creationId xmlns:a16="http://schemas.microsoft.com/office/drawing/2014/main" id="{99C431FA-5B07-435F-8CCE-CACF94A06998}"/>
+              </a:ext>
+            </a:extLst>
+          </p:cNvPr>
+          <p:cNvPicPr>
+            <a:picLocks noChangeAspect="1"/>
+          </p:cNvPicPr>
+          <p:nvPr/>
+        </p:nvPicPr>
+        <p:blipFill rotWithShape="1">
+          <a:blip r:embed="rId2"/>
+          <a:srcRect l="20658" t="11678" r="29343" b="29113"/>
+          <a:stretch/>
+        </p:blipFill>
+        <p:spPr>
+          <a:xfrm>
+            <a:off x="7093427" y="3187042"/>
+            <a:ext cx="3959274" cy="2636044"/>
+          </a:xfrm>
+          <a:prstGeom prst="rect">
+            <a:avLst/>
+          </a:prstGeom>
+        </p:spPr>
+      </p:pic>
+      <p:sp>
+        <p:nvSpPr>
+          <p:cNvPr id="2" name="Прямоугольник 1">
+            <a:extLst>
+              <a:ext uri="{FF2B5EF4-FFF2-40B4-BE49-F238E27FC236}">
+                <a16:creationId xmlns:a16="http://schemas.microsoft.com/office/drawing/2014/main" id="{07B943F8-C2FF-49ED-9F8F-DD0DB6DBE75D}"/>
+              </a:ext>
+            </a:extLst>
+          </p:cNvPr>
+          <p:cNvSpPr/>
+          <p:nvPr/>
+        </p:nvSpPr>
+        <p:spPr>
+          <a:xfrm>
+            <a:off x="698834" y="1735787"/>
+            <a:ext cx="8233344" cy="646331"/>
+          </a:xfrm>
+          <a:prstGeom prst="rect">
+            <a:avLst/>
+          </a:prstGeom>
+        </p:spPr>
+        <p:txBody>
+          <a:bodyPr wrap="none">
+            <a:spAutoFit/>
+          </a:bodyPr>
+          <a:lstStyle/>
+          <a:p>
+            <a:r>
+              <a:rPr lang="en-US" sz="3600" dirty="0" err="1"/>
+              <a:t>Camera.main.ScreenToWorldPoint</a:t>
+            </a:r>
+            <a:r>
+              <a:rPr lang="en-US" sz="3600" dirty="0"/>
+              <a:t>()</a:t>
+            </a:r>
+            <a:endParaRPr lang="ru-RU" sz="3600" dirty="0"/>
+          </a:p>
+        </p:txBody>
+      </p:sp>
+    </p:spTree>
+    <p:extLst>
+      <p:ext uri="{BB962C8B-B14F-4D97-AF65-F5344CB8AC3E}">
+        <p14:creationId xmlns:p14="http://schemas.microsoft.com/office/powerpoint/2010/main" val="1583367919"/>
+      </p:ext>
+    </p:extLst>
+  </p:cSld>
+  <p:clrMapOvr>
+    <a:masterClrMapping/>
+  </p:clrMapOvr>
+</p:sld>
+</file>
+
+<file path=ppt/slides/slide9.xml><?xml version="1.0" encoding="utf-8"?>
+<p:sld xmlns:a="http://schemas.openxmlformats.org/drawingml/2006/main" xmlns:r="http://schemas.openxmlformats.org/officeDocument/2006/relationships" xmlns:p="http://schemas.openxmlformats.org/presentationml/2006/main">
+  <p:cSld>
+    <p:bg>
+      <p:bgPr>
+        <a:solidFill>
+          <a:schemeClr val="bg1"/>
+        </a:solidFill>
+        <a:effectLst/>
+      </p:bgPr>
+    </p:bg>
+    <p:spTree>
+      <p:nvGrpSpPr>
+        <p:cNvPr id="1" name=""/>
+        <p:cNvGrpSpPr/>
+        <p:nvPr/>
+      </p:nvGrpSpPr>
+      <p:grpSpPr>
+        <a:xfrm>
+          <a:off x="0" y="0"/>
+          <a:ext cx="0" cy="0"/>
+          <a:chOff x="0" y="0"/>
+          <a:chExt cx="0" cy="0"/>
+        </a:xfrm>
+      </p:grpSpPr>
+      <p:sp>
+        <p:nvSpPr>
+          <p:cNvPr id="9" name="Заголовок 3">
+            <a:extLst>
+              <a:ext uri="{FF2B5EF4-FFF2-40B4-BE49-F238E27FC236}">
+                <a16:creationId xmlns:a16="http://schemas.microsoft.com/office/drawing/2014/main" id="{7BBA4A03-7F70-4DAE-9489-2F06D46DB9E3}"/>
+              </a:ext>
+            </a:extLst>
+          </p:cNvPr>
+          <p:cNvSpPr txBox="1">
+            <a:spLocks/>
+          </p:cNvSpPr>
+          <p:nvPr/>
+        </p:nvSpPr>
+        <p:spPr>
+          <a:xfrm>
+            <a:off x="4271831" y="2223525"/>
+            <a:ext cx="4490429" cy="1662621"/>
+          </a:xfrm>
+          <a:prstGeom prst="rect">
+            <a:avLst/>
+          </a:prstGeom>
+        </p:spPr>
+        <p:txBody>
+          <a:bodyPr vert="horz" lIns="91440" tIns="45720" rIns="91440" bIns="45720" rtlCol="0" anchor="ctr">
+            <a:normAutofit/>
+          </a:bodyPr>
+          <a:lstStyle>
+            <a:lvl1pPr algn="l" defTabSz="914400" rtl="0" eaLnBrk="1" latinLnBrk="0" hangingPunct="1">
+              <a:lnSpc>
+                <a:spcPct val="90000"/>
+              </a:lnSpc>
+              <a:spcBef>
+                <a:spcPct val="0"/>
+              </a:spcBef>
+              <a:buNone/>
+              <a:defRPr lang="en-US" sz="4000" i="0" kern="1200" cap="none" spc="0" baseline="0" dirty="0">
+                <a:solidFill>
+                  <a:schemeClr val="tx1">
+                    <a:lumMod val="85000"/>
+                    <a:lumOff val="15000"/>
+                  </a:schemeClr>
+                </a:solidFill>
+                <a:effectLst/>
+                <a:latin typeface="+mj-lt"/>
+                <a:ea typeface="+mn-ea"/>
+                <a:cs typeface="+mn-cs"/>
+              </a:defRPr>
+            </a:lvl1pPr>
+          </a:lstStyle>
+          <a:p>
+            <a:endParaRPr lang="ru-RU" sz="2800" b="1" dirty="0"/>
+          </a:p>
+          <a:p>
+            <a:endParaRPr lang="ru-RU" sz="2800" dirty="0">
+              <a:solidFill>
+                <a:srgbClr val="FFC000"/>
+              </a:solidFill>
+            </a:endParaRPr>
+          </a:p>
+        </p:txBody>
+      </p:sp>
+      <p:sp>
+        <p:nvSpPr>
+          <p:cNvPr id="18" name="Заголовок 3">
+            <a:extLst>
+              <a:ext uri="{FF2B5EF4-FFF2-40B4-BE49-F238E27FC236}">
+                <a16:creationId xmlns:a16="http://schemas.microsoft.com/office/drawing/2014/main" id="{7E59699F-A8DC-4288-9EB0-E9835A7C37F0}"/>
+              </a:ext>
+            </a:extLst>
+          </p:cNvPr>
+          <p:cNvSpPr txBox="1">
+            <a:spLocks/>
+          </p:cNvSpPr>
+          <p:nvPr/>
+        </p:nvSpPr>
+        <p:spPr>
+          <a:xfrm>
+            <a:off x="2651106" y="653174"/>
+            <a:ext cx="7951303" cy="517705"/>
+          </a:xfrm>
+          <a:prstGeom prst="rect">
+            <a:avLst/>
+          </a:prstGeom>
+        </p:spPr>
+        <p:txBody>
+          <a:bodyPr vert="horz" lIns="91440" tIns="45720" rIns="91440" bIns="45720" rtlCol="0" anchor="ctr">
+            <a:normAutofit fontScale="90000" lnSpcReduction="20000"/>
+          </a:bodyPr>
+          <a:lstStyle>
+            <a:lvl1pPr algn="l" defTabSz="914400" rtl="0" eaLnBrk="1" latinLnBrk="0" hangingPunct="1">
+              <a:lnSpc>
+                <a:spcPct val="90000"/>
+              </a:lnSpc>
+              <a:spcBef>
+                <a:spcPct val="0"/>
+              </a:spcBef>
+              <a:buNone/>
+              <a:defRPr lang="en-US" sz="4000" i="0" kern="1200" cap="none" spc="0" baseline="0" dirty="0">
+                <a:solidFill>
+                  <a:schemeClr val="tx1">
+                    <a:lumMod val="85000"/>
+                    <a:lumOff val="15000"/>
+                  </a:schemeClr>
+                </a:solidFill>
+                <a:effectLst/>
+                <a:latin typeface="+mj-lt"/>
+                <a:ea typeface="+mn-ea"/>
+                <a:cs typeface="+mn-cs"/>
+              </a:defRPr>
+            </a:lvl1pPr>
+          </a:lstStyle>
+          <a:p>
+            <a:r>
+              <a:rPr lang="ru-RU" b="1" dirty="0">
+                <a:solidFill>
+                  <a:schemeClr val="accent5">
+                    <a:lumMod val="75000"/>
+                  </a:schemeClr>
+                </a:solidFill>
+              </a:rPr>
+              <a:t>Событие перемещения мыши</a:t>
+            </a:r>
+          </a:p>
+        </p:txBody>
+      </p:sp>
+      <p:pic>
+        <p:nvPicPr>
+          <p:cNvPr id="5" name="Рисунок 4">
+            <a:extLst>
+              <a:ext uri="{FF2B5EF4-FFF2-40B4-BE49-F238E27FC236}">
+                <a16:creationId xmlns:a16="http://schemas.microsoft.com/office/drawing/2014/main" id="{C88755F3-0C9D-4116-BE4E-918E0BDE9998}"/>
+              </a:ext>
+            </a:extLst>
+          </p:cNvPr>
+          <p:cNvPicPr>
+            <a:picLocks noChangeAspect="1"/>
+          </p:cNvPicPr>
+          <p:nvPr/>
+        </p:nvPicPr>
+        <p:blipFill>
+          <a:blip r:embed="rId2"/>
+          <a:stretch>
+            <a:fillRect/>
+          </a:stretch>
+        </p:blipFill>
+        <p:spPr>
+          <a:xfrm>
+            <a:off x="3115050" y="2312171"/>
+            <a:ext cx="5961900" cy="3645991"/>
+          </a:xfrm>
+          <a:prstGeom prst="rect">
+            <a:avLst/>
+          </a:prstGeom>
+        </p:spPr>
+      </p:pic>
+      <p:sp>
+        <p:nvSpPr>
+          <p:cNvPr id="2" name="Прямоугольник 1">
+            <a:extLst>
+              <a:ext uri="{FF2B5EF4-FFF2-40B4-BE49-F238E27FC236}">
+                <a16:creationId xmlns:a16="http://schemas.microsoft.com/office/drawing/2014/main" id="{BE0A58A0-AE60-45CF-8C79-79AA5E40A146}"/>
+              </a:ext>
+            </a:extLst>
+          </p:cNvPr>
+          <p:cNvSpPr/>
+          <p:nvPr/>
+        </p:nvSpPr>
+        <p:spPr>
+          <a:xfrm>
+            <a:off x="1955536" y="6040240"/>
+            <a:ext cx="10106276" cy="457048"/>
+          </a:xfrm>
+          <a:prstGeom prst="rect">
+            <a:avLst/>
+          </a:prstGeom>
+        </p:spPr>
+        <p:txBody>
+          <a:bodyPr wrap="square">
+            <a:spAutoFit/>
+          </a:bodyPr>
+          <a:lstStyle/>
+          <a:p>
+            <a:pPr>
+              <a:lnSpc>
+                <a:spcPct val="107000"/>
+              </a:lnSpc>
+              <a:spcAft>
+                <a:spcPts val="0"/>
+              </a:spcAft>
+            </a:pPr>
+            <a:r>
+              <a:rPr lang="en-US" sz="2400" b="1" dirty="0">
+                <a:latin typeface="+mj-lt"/>
+                <a:ea typeface="Calibri" panose="020F0502020204030204" pitchFamily="34" charset="0"/>
+                <a:cs typeface="Times New Roman" panose="02020603050405020304" pitchFamily="18" charset="0"/>
+              </a:rPr>
+              <a:t>Vector3(</a:t>
+            </a:r>
+            <a:r>
+              <a:rPr lang="en-US" sz="2400" b="1" dirty="0" err="1">
+                <a:latin typeface="+mj-lt"/>
+                <a:ea typeface="Calibri" panose="020F0502020204030204" pitchFamily="34" charset="0"/>
+                <a:cs typeface="Times New Roman" panose="02020603050405020304" pitchFamily="18" charset="0"/>
+              </a:rPr>
+              <a:t>Input.mousePosition.x</a:t>
+            </a:r>
+            <a:r>
+              <a:rPr lang="en-US" sz="2400" b="1" dirty="0">
+                <a:latin typeface="+mj-lt"/>
+                <a:ea typeface="Calibri" panose="020F0502020204030204" pitchFamily="34" charset="0"/>
+                <a:cs typeface="Times New Roman" panose="02020603050405020304" pitchFamily="18" charset="0"/>
+              </a:rPr>
+              <a:t>, </a:t>
+            </a:r>
+            <a:r>
+              <a:rPr lang="en-US" sz="2400" b="1" dirty="0" err="1">
+                <a:latin typeface="+mj-lt"/>
+                <a:ea typeface="Calibri" panose="020F0502020204030204" pitchFamily="34" charset="0"/>
+                <a:cs typeface="Times New Roman" panose="02020603050405020304" pitchFamily="18" charset="0"/>
+              </a:rPr>
+              <a:t>Input.mousePosition.y</a:t>
+            </a:r>
+            <a:r>
+              <a:rPr lang="en-US" sz="2400" b="1" dirty="0">
+                <a:latin typeface="+mj-lt"/>
+                <a:ea typeface="Calibri" panose="020F0502020204030204" pitchFamily="34" charset="0"/>
+                <a:cs typeface="Times New Roman" panose="02020603050405020304" pitchFamily="18" charset="0"/>
+              </a:rPr>
+              <a:t>, 10.0f);</a:t>
+            </a:r>
+            <a:endParaRPr lang="ru-RU" sz="2400" b="1" dirty="0">
+              <a:latin typeface="+mj-lt"/>
+              <a:ea typeface="Calibri" panose="020F0502020204030204" pitchFamily="34" charset="0"/>
+              <a:cs typeface="Times New Roman" panose="02020603050405020304" pitchFamily="18" charset="0"/>
+            </a:endParaRPr>
+          </a:p>
+        </p:txBody>
+      </p:sp>
+      <p:sp>
+        <p:nvSpPr>
+          <p:cNvPr id="3" name="Прямоугольник 2">
+            <a:extLst>
+              <a:ext uri="{FF2B5EF4-FFF2-40B4-BE49-F238E27FC236}">
+                <a16:creationId xmlns:a16="http://schemas.microsoft.com/office/drawing/2014/main" id="{65DC498D-50CC-480C-AB55-7F09E93D11C8}"/>
+              </a:ext>
+            </a:extLst>
+          </p:cNvPr>
+          <p:cNvSpPr/>
+          <p:nvPr/>
+        </p:nvSpPr>
+        <p:spPr>
+          <a:xfrm>
+            <a:off x="2159817" y="1584103"/>
+            <a:ext cx="11819105" cy="455830"/>
+          </a:xfrm>
+          <a:prstGeom prst="rect">
+            <a:avLst/>
+          </a:prstGeom>
+        </p:spPr>
+        <p:txBody>
+          <a:bodyPr wrap="square">
+            <a:spAutoFit/>
+          </a:bodyPr>
+          <a:lstStyle/>
+          <a:p>
+            <a:pPr>
+              <a:lnSpc>
+                <a:spcPct val="107000"/>
+              </a:lnSpc>
+              <a:spcAft>
+                <a:spcPts val="0"/>
+              </a:spcAft>
+            </a:pPr>
+            <a:r>
+              <a:rPr lang="en-US" sz="2400" b="1" dirty="0" err="1">
+                <a:ea typeface="Calibri" panose="020F0502020204030204" pitchFamily="34" charset="0"/>
+                <a:cs typeface="Times New Roman" panose="02020603050405020304" pitchFamily="18" charset="0"/>
+              </a:rPr>
+              <a:t>Camera.main.ScreenToWorldPoint</a:t>
+            </a:r>
+            <a:r>
+              <a:rPr lang="en-US" sz="2400" b="1" dirty="0">
+                <a:ea typeface="Calibri" panose="020F0502020204030204" pitchFamily="34" charset="0"/>
+                <a:cs typeface="Times New Roman" panose="02020603050405020304" pitchFamily="18" charset="0"/>
+              </a:rPr>
+              <a:t>(</a:t>
+            </a:r>
+            <a:r>
+              <a:rPr lang="en-US" sz="2400" b="1" dirty="0" err="1">
+                <a:ea typeface="Calibri" panose="020F0502020204030204" pitchFamily="34" charset="0"/>
+                <a:cs typeface="Times New Roman" panose="02020603050405020304" pitchFamily="18" charset="0"/>
+              </a:rPr>
+              <a:t>newPosition</a:t>
+            </a:r>
+            <a:r>
+              <a:rPr lang="en-US" sz="2400" b="1" dirty="0">
+                <a:ea typeface="Calibri" panose="020F0502020204030204" pitchFamily="34" charset="0"/>
+                <a:cs typeface="Times New Roman" panose="02020603050405020304" pitchFamily="18" charset="0"/>
+              </a:rPr>
+              <a:t>) + </a:t>
+            </a:r>
+            <a:r>
+              <a:rPr lang="en-US" sz="2400" b="1" dirty="0" err="1">
+                <a:ea typeface="Calibri" panose="020F0502020204030204" pitchFamily="34" charset="0"/>
+                <a:cs typeface="Times New Roman" panose="02020603050405020304" pitchFamily="18" charset="0"/>
+              </a:rPr>
+              <a:t>startPos</a:t>
+            </a:r>
+            <a:r>
+              <a:rPr lang="en-US" sz="2400" b="1" dirty="0">
+                <a:ea typeface="Calibri" panose="020F0502020204030204" pitchFamily="34" charset="0"/>
+                <a:cs typeface="Times New Roman" panose="02020603050405020304" pitchFamily="18" charset="0"/>
+              </a:rPr>
+              <a:t>;</a:t>
+            </a:r>
+            <a:endParaRPr lang="ru-RU" sz="2400" b="1" dirty="0">
+              <a:ea typeface="Calibri" panose="020F0502020204030204" pitchFamily="34" charset="0"/>
+              <a:cs typeface="Times New Roman" panose="02020603050405020304" pitchFamily="18" charset="0"/>
+            </a:endParaRPr>
+          </a:p>
+        </p:txBody>
+      </p:sp>
+      <p:sp>
+        <p:nvSpPr>
+          <p:cNvPr id="4" name="TextBox 3">
+            <a:extLst>
+              <a:ext uri="{FF2B5EF4-FFF2-40B4-BE49-F238E27FC236}">
+                <a16:creationId xmlns:a16="http://schemas.microsoft.com/office/drawing/2014/main" id="{C939EC17-DE2F-4651-9276-EC812FF87708}"/>
               </a:ext>
             </a:extLst>
           </p:cNvPr>
@@ -7519,8 +8601,8 @@
         </p:nvSpPr>
         <p:spPr>
           <a:xfrm>
-            <a:off x="1738814" y="1869582"/>
-            <a:ext cx="9088186" cy="707886"/>
+            <a:off x="505838" y="5670908"/>
+            <a:ext cx="2295821" cy="369332"/>
           </a:xfrm>
           <a:prstGeom prst="rect">
             <a:avLst/>
@@ -7528,27 +8610,65 @@
           <a:noFill/>
         </p:spPr>
         <p:txBody>
-          <a:bodyPr wrap="square">
+          <a:bodyPr wrap="none" rtlCol="0">
             <a:spAutoFit/>
           </a:bodyPr>
           <a:lstStyle/>
           <a:p>
             <a:r>
-              <a:rPr lang="en-US" sz="4000" dirty="0"/>
-              <a:t> </a:t>
-            </a:r>
-            <a:r>
-              <a:rPr lang="en-US" sz="4000" dirty="0" err="1"/>
-              <a:t>Camera.main.ScreenToWorldPoint</a:t>
-            </a:r>
-            <a:endParaRPr lang="ru-RU" sz="4000" b="1" dirty="0"/>
+              <a:rPr lang="ru-RU" b="1" dirty="0">
+                <a:solidFill>
+                  <a:srgbClr val="55C3FF"/>
+                </a:solidFill>
+              </a:rPr>
+              <a:t>Начало переноса</a:t>
+            </a:r>
+          </a:p>
+        </p:txBody>
+      </p:sp>
+      <p:sp>
+        <p:nvSpPr>
+          <p:cNvPr id="10" name="TextBox 9">
+            <a:extLst>
+              <a:ext uri="{FF2B5EF4-FFF2-40B4-BE49-F238E27FC236}">
+                <a16:creationId xmlns:a16="http://schemas.microsoft.com/office/drawing/2014/main" id="{F6E88949-7FCD-4D03-8174-BAC210043469}"/>
+              </a:ext>
+            </a:extLst>
+          </p:cNvPr>
+          <p:cNvSpPr txBox="1"/>
+          <p:nvPr/>
+        </p:nvSpPr>
+        <p:spPr>
+          <a:xfrm>
+            <a:off x="9296399" y="2083825"/>
+            <a:ext cx="2149948" cy="369332"/>
+          </a:xfrm>
+          <a:prstGeom prst="rect">
+            <a:avLst/>
+          </a:prstGeom>
+          <a:noFill/>
+        </p:spPr>
+        <p:txBody>
+          <a:bodyPr wrap="none" rtlCol="0">
+            <a:spAutoFit/>
+          </a:bodyPr>
+          <a:lstStyle/>
+          <a:p>
+            <a:r>
+              <a:rPr lang="ru-RU" b="1" dirty="0">
+                <a:solidFill>
+                  <a:srgbClr val="55C3FF"/>
+                </a:solidFill>
+              </a:rPr>
+              <a:t>Конец переноса</a:t>
+            </a:r>
           </a:p>
         </p:txBody>
       </p:sp>
     </p:spTree>
     <p:extLst>
       <p:ext uri="{BB962C8B-B14F-4D97-AF65-F5344CB8AC3E}">
-        <p14:creationId xmlns:p14="http://schemas.microsoft.com/office/powerpoint/2010/main" val="1583367919"/>
+        <p14:creationId xmlns:p14="http://schemas.microsoft.com/office/powerpoint/2010/main" val="901204306"/>
       </p:ext>
     </p:extLst>
   </p:cSld>
